--- a/DevBootcamp.pptx
+++ b/DevBootcamp.pptx
@@ -5,19 +5,45 @@
     <p:sldMasterId id="2147484082" r:id="rId4"/>
   </p:sldMasterIdLst>
   <p:notesMasterIdLst>
-    <p:notesMasterId r:id="rId12"/>
+    <p:notesMasterId r:id="rId38"/>
   </p:notesMasterIdLst>
   <p:handoutMasterIdLst>
-    <p:handoutMasterId r:id="rId13"/>
+    <p:handoutMasterId r:id="rId39"/>
   </p:handoutMasterIdLst>
   <p:sldIdLst>
     <p:sldId id="257" r:id="rId5"/>
     <p:sldId id="306" r:id="rId6"/>
     <p:sldId id="307" r:id="rId7"/>
     <p:sldId id="312" r:id="rId8"/>
-    <p:sldId id="299" r:id="rId9"/>
-    <p:sldId id="309" r:id="rId10"/>
-    <p:sldId id="300" r:id="rId11"/>
+    <p:sldId id="337" r:id="rId9"/>
+    <p:sldId id="317" r:id="rId10"/>
+    <p:sldId id="318" r:id="rId11"/>
+    <p:sldId id="319" r:id="rId12"/>
+    <p:sldId id="320" r:id="rId13"/>
+    <p:sldId id="330" r:id="rId14"/>
+    <p:sldId id="331" r:id="rId15"/>
+    <p:sldId id="332" r:id="rId16"/>
+    <p:sldId id="333" r:id="rId17"/>
+    <p:sldId id="335" r:id="rId18"/>
+    <p:sldId id="329" r:id="rId19"/>
+    <p:sldId id="336" r:id="rId20"/>
+    <p:sldId id="315" r:id="rId21"/>
+    <p:sldId id="313" r:id="rId22"/>
+    <p:sldId id="340" r:id="rId23"/>
+    <p:sldId id="314" r:id="rId24"/>
+    <p:sldId id="323" r:id="rId25"/>
+    <p:sldId id="321" r:id="rId26"/>
+    <p:sldId id="322" r:id="rId27"/>
+    <p:sldId id="327" r:id="rId28"/>
+    <p:sldId id="324" r:id="rId29"/>
+    <p:sldId id="338" r:id="rId30"/>
+    <p:sldId id="339" r:id="rId31"/>
+    <p:sldId id="325" r:id="rId32"/>
+    <p:sldId id="326" r:id="rId33"/>
+    <p:sldId id="334" r:id="rId34"/>
+    <p:sldId id="299" r:id="rId35"/>
+    <p:sldId id="309" r:id="rId36"/>
+    <p:sldId id="300" r:id="rId37"/>
   </p:sldIdLst>
   <p:sldSz cx="12436475" cy="6994525"/>
   <p:notesSz cx="6858000" cy="9144000"/>
@@ -125,6 +151,32 @@
             <p14:sldId id="306"/>
             <p14:sldId id="307"/>
             <p14:sldId id="312"/>
+            <p14:sldId id="337"/>
+            <p14:sldId id="317"/>
+            <p14:sldId id="318"/>
+            <p14:sldId id="319"/>
+            <p14:sldId id="320"/>
+            <p14:sldId id="330"/>
+            <p14:sldId id="331"/>
+            <p14:sldId id="332"/>
+            <p14:sldId id="333"/>
+            <p14:sldId id="335"/>
+            <p14:sldId id="329"/>
+            <p14:sldId id="336"/>
+            <p14:sldId id="315"/>
+            <p14:sldId id="313"/>
+            <p14:sldId id="340"/>
+            <p14:sldId id="314"/>
+            <p14:sldId id="323"/>
+            <p14:sldId id="321"/>
+            <p14:sldId id="322"/>
+            <p14:sldId id="327"/>
+            <p14:sldId id="324"/>
+            <p14:sldId id="338"/>
+            <p14:sldId id="339"/>
+            <p14:sldId id="325"/>
+            <p14:sldId id="326"/>
+            <p14:sldId id="334"/>
             <p14:sldId id="299"/>
             <p14:sldId id="309"/>
             <p14:sldId id="300"/>
@@ -1064,7 +1116,7 @@
             <a:fld id="{B4008EB6-D09E-4580-8CD6-DDB14511944F}" type="slidenum">
               <a:rPr lang="en-US" smtClean="0"/>
               <a:pPr/>
-              <a:t>5</a:t>
+              <a:t>31</a:t>
             </a:fld>
             <a:endParaRPr lang="en-US" dirty="0"/>
           </a:p>
@@ -1191,7 +1243,7 @@
                 </a:solidFill>
               </a:rPr>
               <a:pPr/>
-              <a:t>7</a:t>
+              <a:t>33</a:t>
             </a:fld>
             <a:endParaRPr lang="en-US" dirty="0">
               <a:solidFill>
@@ -5926,64 +5978,59 @@
             <p:ph type="title"/>
           </p:nvPr>
         </p:nvSpPr>
-        <p:spPr/>
+        <p:spPr>
+          <a:xfrm>
+            <a:off x="274703" y="906462"/>
+            <a:ext cx="10058336" cy="3048001"/>
+          </a:xfrm>
+        </p:spPr>
         <p:txBody>
           <a:bodyPr/>
           <a:lstStyle/>
           <a:p>
             <a:r>
               <a:rPr lang="en-US" dirty="0"/>
-              <a:t>Dallas GiveCamp</a:t>
+              <a:t>Dallas GiveCamp - </a:t>
             </a:r>
             <a:br>
               <a:rPr lang="en-US" dirty="0"/>
             </a:br>
             <a:r>
               <a:rPr lang="en-US" dirty="0"/>
-              <a:t>Developer Bootcamp</a:t>
+              <a:t>Developer Bootcamp:</a:t>
+            </a:r>
+            <a:br>
+              <a:rPr lang="en-US" dirty="0"/>
+            </a:br>
+            <a:r>
+              <a:rPr lang="en-US" dirty="0"/>
+              <a:t>WordPress @ GiveCamp</a:t>
             </a:r>
           </a:p>
         </p:txBody>
       </p:sp>
       <p:pic>
         <p:nvPicPr>
-          <p:cNvPr id="6" name="Picture 5" descr="http://www.dallasgivecamp.org/Themes/DallasGiveCamp/Content/Images/GiveCampDallas_small.png"/>
+          <p:cNvPr id="3" name="Picture 2"/>
           <p:cNvPicPr>
-            <a:picLocks noChangeAspect="1" noChangeArrowheads="1"/>
+            <a:picLocks noChangeAspect="1"/>
           </p:cNvPicPr>
           <p:nvPr/>
         </p:nvPicPr>
         <p:blipFill>
-          <a:blip r:embed="rId3">
-            <a:extLst>
-              <a:ext uri="{28A0092B-C50C-407E-A947-70E740481C1C}">
-                <a14:useLocalDpi xmlns:a14="http://schemas.microsoft.com/office/drawing/2010/main" val="0"/>
-              </a:ext>
-            </a:extLst>
-          </a:blip>
-          <a:srcRect/>
+          <a:blip r:embed="rId3"/>
           <a:stretch>
             <a:fillRect/>
           </a:stretch>
         </p:blipFill>
-        <p:spPr bwMode="auto">
+        <p:spPr>
           <a:xfrm>
-            <a:off x="9266237" y="5707062"/>
-            <a:ext cx="2830313" cy="1049820"/>
+            <a:off x="7208837" y="5478462"/>
+            <a:ext cx="4916020" cy="1194072"/>
           </a:xfrm>
           <a:prstGeom prst="rect">
             <a:avLst/>
           </a:prstGeom>
-          <a:noFill/>
-          <a:extLst>
-            <a:ext uri="{909E8E84-426E-40DD-AFC4-6F175D3DCCD1}">
-              <a14:hiddenFill xmlns:a14="http://schemas.microsoft.com/office/drawing/2010/main">
-                <a:solidFill>
-                  <a:srgbClr val="FFFFFF"/>
-                </a:solidFill>
-              </a14:hiddenFill>
-            </a:ext>
-          </a:extLst>
         </p:spPr>
       </p:pic>
     </p:spTree>
@@ -6008,6 +6055,1093 @@
       </p:transition>
     </mc:Fallback>
   </mc:AlternateContent>
+</p:sld>
+</file>
+
+<file path=ppt/slides/slide10.xml><?xml version="1.0" encoding="utf-8"?>
+<p:sld xmlns:a="http://schemas.openxmlformats.org/drawingml/2006/main" xmlns:r="http://schemas.openxmlformats.org/officeDocument/2006/relationships" xmlns:p="http://schemas.openxmlformats.org/presentationml/2006/main">
+  <p:cSld>
+    <p:spTree>
+      <p:nvGrpSpPr>
+        <p:cNvPr id="1" name=""/>
+        <p:cNvGrpSpPr/>
+        <p:nvPr/>
+      </p:nvGrpSpPr>
+      <p:grpSpPr>
+        <a:xfrm>
+          <a:off x="0" y="0"/>
+          <a:ext cx="0" cy="0"/>
+          <a:chOff x="0" y="0"/>
+          <a:chExt cx="0" cy="0"/>
+        </a:xfrm>
+      </p:grpSpPr>
+      <p:sp>
+        <p:nvSpPr>
+          <p:cNvPr id="2" name="Text Placeholder 1"/>
+          <p:cNvSpPr>
+            <a:spLocks noGrp="1"/>
+          </p:cNvSpPr>
+          <p:nvPr>
+            <p:ph type="body" sz="quarter" idx="10"/>
+          </p:nvPr>
+        </p:nvSpPr>
+        <p:spPr>
+          <a:xfrm>
+            <a:off x="274638" y="1212850"/>
+            <a:ext cx="11887200" cy="1415772"/>
+          </a:xfrm>
+        </p:spPr>
+        <p:txBody>
+          <a:bodyPr/>
+          <a:lstStyle/>
+          <a:p>
+            <a:r>
+              <a:rPr lang="en-US" dirty="0"/>
+              <a:t>PHP Files</a:t>
+            </a:r>
+          </a:p>
+          <a:p>
+            <a:r>
+              <a:rPr lang="en-US" dirty="0"/>
+              <a:t>MySQL database</a:t>
+            </a:r>
+          </a:p>
+        </p:txBody>
+      </p:sp>
+      <p:sp>
+        <p:nvSpPr>
+          <p:cNvPr id="3" name="Title 2"/>
+          <p:cNvSpPr>
+            <a:spLocks noGrp="1"/>
+          </p:cNvSpPr>
+          <p:nvPr>
+            <p:ph type="title"/>
+          </p:nvPr>
+        </p:nvSpPr>
+        <p:spPr/>
+        <p:txBody>
+          <a:bodyPr/>
+          <a:lstStyle/>
+          <a:p>
+            <a:r>
+              <a:rPr lang="en-US" dirty="0"/>
+              <a:t>WordPress Components</a:t>
+            </a:r>
+          </a:p>
+        </p:txBody>
+      </p:sp>
+    </p:spTree>
+    <p:extLst>
+      <p:ext uri="{BB962C8B-B14F-4D97-AF65-F5344CB8AC3E}">
+        <p14:creationId xmlns:p14="http://schemas.microsoft.com/office/powerpoint/2010/main" val="2879145637"/>
+      </p:ext>
+    </p:extLst>
+  </p:cSld>
+  <p:clrMapOvr>
+    <a:masterClrMapping/>
+  </p:clrMapOvr>
+  <p:transition>
+    <p:fade/>
+  </p:transition>
+</p:sld>
+</file>
+
+<file path=ppt/slides/slide11.xml><?xml version="1.0" encoding="utf-8"?>
+<p:sld xmlns:a="http://schemas.openxmlformats.org/drawingml/2006/main" xmlns:r="http://schemas.openxmlformats.org/officeDocument/2006/relationships" xmlns:p="http://schemas.openxmlformats.org/presentationml/2006/main">
+  <p:cSld>
+    <p:spTree>
+      <p:nvGrpSpPr>
+        <p:cNvPr id="1" name=""/>
+        <p:cNvGrpSpPr/>
+        <p:nvPr/>
+      </p:nvGrpSpPr>
+      <p:grpSpPr>
+        <a:xfrm>
+          <a:off x="0" y="0"/>
+          <a:ext cx="0" cy="0"/>
+          <a:chOff x="0" y="0"/>
+          <a:chExt cx="0" cy="0"/>
+        </a:xfrm>
+      </p:grpSpPr>
+      <p:sp>
+        <p:nvSpPr>
+          <p:cNvPr id="2" name="Text Placeholder 1"/>
+          <p:cNvSpPr>
+            <a:spLocks noGrp="1"/>
+          </p:cNvSpPr>
+          <p:nvPr>
+            <p:ph type="body" sz="quarter" idx="10"/>
+          </p:nvPr>
+        </p:nvSpPr>
+        <p:spPr>
+          <a:xfrm>
+            <a:off x="274638" y="1212850"/>
+            <a:ext cx="11887200" cy="3775393"/>
+          </a:xfrm>
+        </p:spPr>
+        <p:txBody>
+          <a:bodyPr/>
+          <a:lstStyle/>
+          <a:p>
+            <a:r>
+              <a:rPr lang="en-US" dirty="0"/>
+              <a:t>Great for testing out plugins before deploying them.</a:t>
+            </a:r>
+          </a:p>
+          <a:p>
+            <a:r>
+              <a:rPr lang="en-US" dirty="0"/>
+              <a:t>Great for learning.</a:t>
+            </a:r>
+          </a:p>
+          <a:p>
+            <a:r>
+              <a:rPr lang="en-US" dirty="0"/>
+              <a:t>Required if writing custom PHP code. </a:t>
+            </a:r>
+            <a:r>
+              <a:rPr lang="en-US" baseline="30000" dirty="0"/>
+              <a:t>** very rare **</a:t>
+            </a:r>
+          </a:p>
+          <a:p>
+            <a:endParaRPr lang="en-US" baseline="30000" dirty="0"/>
+          </a:p>
+          <a:p>
+            <a:r>
+              <a:rPr lang="en-US" dirty="0"/>
+              <a:t>Deploy content and layout pages directly in production</a:t>
+            </a:r>
+          </a:p>
+        </p:txBody>
+      </p:sp>
+      <p:sp>
+        <p:nvSpPr>
+          <p:cNvPr id="3" name="Title 2"/>
+          <p:cNvSpPr>
+            <a:spLocks noGrp="1"/>
+          </p:cNvSpPr>
+          <p:nvPr>
+            <p:ph type="title"/>
+          </p:nvPr>
+        </p:nvSpPr>
+        <p:spPr/>
+        <p:txBody>
+          <a:bodyPr/>
+          <a:lstStyle/>
+          <a:p>
+            <a:r>
+              <a:rPr lang="en-US" dirty="0"/>
+              <a:t>Do I need a local instance?</a:t>
+            </a:r>
+          </a:p>
+        </p:txBody>
+      </p:sp>
+    </p:spTree>
+    <p:extLst>
+      <p:ext uri="{BB962C8B-B14F-4D97-AF65-F5344CB8AC3E}">
+        <p14:creationId xmlns:p14="http://schemas.microsoft.com/office/powerpoint/2010/main" val="3801384086"/>
+      </p:ext>
+    </p:extLst>
+  </p:cSld>
+  <p:clrMapOvr>
+    <a:masterClrMapping/>
+  </p:clrMapOvr>
+  <p:transition>
+    <p:fade/>
+  </p:transition>
+</p:sld>
+</file>
+
+<file path=ppt/slides/slide12.xml><?xml version="1.0" encoding="utf-8"?>
+<p:sld xmlns:a="http://schemas.openxmlformats.org/drawingml/2006/main" xmlns:r="http://schemas.openxmlformats.org/officeDocument/2006/relationships" xmlns:p="http://schemas.openxmlformats.org/presentationml/2006/main">
+  <p:cSld>
+    <p:spTree>
+      <p:nvGrpSpPr>
+        <p:cNvPr id="1" name=""/>
+        <p:cNvGrpSpPr/>
+        <p:nvPr/>
+      </p:nvGrpSpPr>
+      <p:grpSpPr>
+        <a:xfrm>
+          <a:off x="0" y="0"/>
+          <a:ext cx="0" cy="0"/>
+          <a:chOff x="0" y="0"/>
+          <a:chExt cx="0" cy="0"/>
+        </a:xfrm>
+      </p:grpSpPr>
+      <p:sp>
+        <p:nvSpPr>
+          <p:cNvPr id="2" name="Text Placeholder 1"/>
+          <p:cNvSpPr>
+            <a:spLocks noGrp="1"/>
+          </p:cNvSpPr>
+          <p:nvPr>
+            <p:ph type="body" sz="quarter" idx="10"/>
+          </p:nvPr>
+        </p:nvSpPr>
+        <p:spPr>
+          <a:xfrm>
+            <a:off x="274638" y="1212850"/>
+            <a:ext cx="11887200" cy="4862870"/>
+          </a:xfrm>
+        </p:spPr>
+        <p:txBody>
+          <a:bodyPr/>
+          <a:lstStyle/>
+          <a:p>
+            <a:r>
+              <a:rPr lang="en-US" dirty="0"/>
+              <a:t>Get the Prerequisites</a:t>
+            </a:r>
+          </a:p>
+          <a:p>
+            <a:pPr lvl="1"/>
+            <a:r>
+              <a:rPr lang="en-US" dirty="0"/>
+              <a:t>On Windows</a:t>
+            </a:r>
+          </a:p>
+          <a:p>
+            <a:pPr lvl="2"/>
+            <a:r>
+              <a:rPr lang="en-US" dirty="0"/>
+              <a:t>https://webgallery.microsoft.com/apps/WordPress/install</a:t>
+            </a:r>
+          </a:p>
+          <a:p>
+            <a:pPr lvl="2"/>
+            <a:r>
+              <a:rPr lang="en-US" dirty="0"/>
+              <a:t>WordPress, WebMatrix &amp; MySQL</a:t>
+            </a:r>
+          </a:p>
+          <a:p>
+            <a:pPr lvl="1"/>
+            <a:r>
+              <a:rPr lang="en-US" dirty="0"/>
+              <a:t>On Mac with MAMP</a:t>
+            </a:r>
+          </a:p>
+          <a:p>
+            <a:pPr lvl="2"/>
+            <a:r>
+              <a:rPr lang="en-US" dirty="0"/>
+              <a:t>https://codex.wordpress.org/Installing_WordPress_Locally_on_Your_Mac_With_MAMP</a:t>
+            </a:r>
+          </a:p>
+          <a:p>
+            <a:r>
+              <a:rPr lang="en-US" dirty="0"/>
+              <a:t>Get the GiveCamp Distro of WordPress</a:t>
+            </a:r>
+          </a:p>
+          <a:p>
+            <a:pPr lvl="1"/>
+            <a:endParaRPr lang="en-US" dirty="0"/>
+          </a:p>
+          <a:p>
+            <a:endParaRPr lang="en-US" dirty="0"/>
+          </a:p>
+        </p:txBody>
+      </p:sp>
+      <p:sp>
+        <p:nvSpPr>
+          <p:cNvPr id="3" name="Title 2"/>
+          <p:cNvSpPr>
+            <a:spLocks noGrp="1"/>
+          </p:cNvSpPr>
+          <p:nvPr>
+            <p:ph type="title"/>
+          </p:nvPr>
+        </p:nvSpPr>
+        <p:spPr/>
+        <p:txBody>
+          <a:bodyPr/>
+          <a:lstStyle/>
+          <a:p>
+            <a:r>
+              <a:rPr lang="en-US" dirty="0"/>
+              <a:t>Create a Local instance</a:t>
+            </a:r>
+          </a:p>
+        </p:txBody>
+      </p:sp>
+    </p:spTree>
+    <p:extLst>
+      <p:ext uri="{BB962C8B-B14F-4D97-AF65-F5344CB8AC3E}">
+        <p14:creationId xmlns:p14="http://schemas.microsoft.com/office/powerpoint/2010/main" val="3807467696"/>
+      </p:ext>
+    </p:extLst>
+  </p:cSld>
+  <p:clrMapOvr>
+    <a:masterClrMapping/>
+  </p:clrMapOvr>
+  <p:transition>
+    <p:fade/>
+  </p:transition>
+</p:sld>
+</file>
+
+<file path=ppt/slides/slide13.xml><?xml version="1.0" encoding="utf-8"?>
+<p:sld xmlns:a="http://schemas.openxmlformats.org/drawingml/2006/main" xmlns:r="http://schemas.openxmlformats.org/officeDocument/2006/relationships" xmlns:p="http://schemas.openxmlformats.org/presentationml/2006/main">
+  <p:cSld>
+    <p:spTree>
+      <p:nvGrpSpPr>
+        <p:cNvPr id="1" name=""/>
+        <p:cNvGrpSpPr/>
+        <p:nvPr/>
+      </p:nvGrpSpPr>
+      <p:grpSpPr>
+        <a:xfrm>
+          <a:off x="0" y="0"/>
+          <a:ext cx="0" cy="0"/>
+          <a:chOff x="0" y="0"/>
+          <a:chExt cx="0" cy="0"/>
+        </a:xfrm>
+      </p:grpSpPr>
+      <p:sp>
+        <p:nvSpPr>
+          <p:cNvPr id="5" name="Text Placeholder 4"/>
+          <p:cNvSpPr>
+            <a:spLocks noGrp="1"/>
+          </p:cNvSpPr>
+          <p:nvPr>
+            <p:ph type="body" sz="quarter" idx="10"/>
+          </p:nvPr>
+        </p:nvSpPr>
+        <p:spPr>
+          <a:xfrm>
+            <a:off x="274638" y="1212850"/>
+            <a:ext cx="11887200" cy="5749266"/>
+          </a:xfrm>
+        </p:spPr>
+        <p:txBody>
+          <a:bodyPr/>
+          <a:lstStyle/>
+          <a:p>
+            <a:r>
+              <a:rPr lang="en-US" dirty="0"/>
+              <a:t>WordPress 4.6</a:t>
+            </a:r>
+          </a:p>
+          <a:p>
+            <a:r>
+              <a:rPr lang="en-US" dirty="0" err="1"/>
+              <a:t>Divi</a:t>
+            </a:r>
+            <a:r>
+              <a:rPr lang="en-US" dirty="0"/>
+              <a:t> Theme 2.7.10 **</a:t>
+            </a:r>
+          </a:p>
+          <a:p>
+            <a:pPr lvl="1"/>
+            <a:r>
+              <a:rPr lang="en-US" dirty="0"/>
+              <a:t>https://www.elegantthemes.com/gallery/divi/documentation/</a:t>
+            </a:r>
+          </a:p>
+          <a:p>
+            <a:r>
+              <a:rPr lang="en-US" dirty="0"/>
+              <a:t>Plugins</a:t>
+            </a:r>
+          </a:p>
+          <a:p>
+            <a:pPr lvl="1"/>
+            <a:r>
+              <a:rPr lang="en-US" dirty="0"/>
+              <a:t>Bloom - email opt-in plugin </a:t>
+            </a:r>
+          </a:p>
+          <a:p>
+            <a:pPr lvl="2"/>
+            <a:r>
+              <a:rPr lang="en-US" dirty="0"/>
+              <a:t>https://www.elegantthemes.com/plugins/bloom/documentation/</a:t>
+            </a:r>
+          </a:p>
+          <a:p>
+            <a:pPr lvl="1"/>
+            <a:r>
+              <a:rPr lang="en-US" dirty="0"/>
+              <a:t>Monarch – Social Sharing and Social Following plugin </a:t>
+            </a:r>
+          </a:p>
+          <a:p>
+            <a:pPr lvl="2"/>
+            <a:r>
+              <a:rPr lang="en-US" dirty="0"/>
+              <a:t>https://www.elegantthemes.com/plugins/monarch/documentation/</a:t>
+            </a:r>
+          </a:p>
+          <a:p>
+            <a:pPr lvl="1"/>
+            <a:r>
+              <a:rPr lang="en-US" dirty="0"/>
+              <a:t>Postman SMTP – for sending mail from your site</a:t>
+            </a:r>
+          </a:p>
+          <a:p>
+            <a:pPr lvl="2"/>
+            <a:r>
+              <a:rPr lang="en-US" dirty="0"/>
+              <a:t>https://wordpress.org/plugins/postman-smtp/</a:t>
+            </a:r>
+          </a:p>
+          <a:p>
+            <a:pPr lvl="1"/>
+            <a:endParaRPr lang="en-US" dirty="0"/>
+          </a:p>
+          <a:p>
+            <a:pPr lvl="1"/>
+            <a:endParaRPr lang="en-US" dirty="0"/>
+          </a:p>
+        </p:txBody>
+      </p:sp>
+      <p:sp>
+        <p:nvSpPr>
+          <p:cNvPr id="4" name="Title 3"/>
+          <p:cNvSpPr>
+            <a:spLocks noGrp="1"/>
+          </p:cNvSpPr>
+          <p:nvPr>
+            <p:ph type="title"/>
+          </p:nvPr>
+        </p:nvSpPr>
+        <p:spPr/>
+        <p:txBody>
+          <a:bodyPr/>
+          <a:lstStyle/>
+          <a:p>
+            <a:r>
+              <a:rPr lang="en-US" dirty="0"/>
+              <a:t>What is in GiveCamp Distro of WordPress</a:t>
+            </a:r>
+          </a:p>
+        </p:txBody>
+      </p:sp>
+    </p:spTree>
+    <p:extLst>
+      <p:ext uri="{BB962C8B-B14F-4D97-AF65-F5344CB8AC3E}">
+        <p14:creationId xmlns:p14="http://schemas.microsoft.com/office/powerpoint/2010/main" val="2801552277"/>
+      </p:ext>
+    </p:extLst>
+  </p:cSld>
+  <p:clrMapOvr>
+    <a:masterClrMapping/>
+  </p:clrMapOvr>
+  <p:transition>
+    <p:fade/>
+  </p:transition>
+</p:sld>
+</file>
+
+<file path=ppt/slides/slide14.xml><?xml version="1.0" encoding="utf-8"?>
+<p:sld xmlns:a="http://schemas.openxmlformats.org/drawingml/2006/main" xmlns:r="http://schemas.openxmlformats.org/officeDocument/2006/relationships" xmlns:p="http://schemas.openxmlformats.org/presentationml/2006/main">
+  <p:cSld>
+    <p:spTree>
+      <p:nvGrpSpPr>
+        <p:cNvPr id="1" name=""/>
+        <p:cNvGrpSpPr/>
+        <p:nvPr/>
+      </p:nvGrpSpPr>
+      <p:grpSpPr>
+        <a:xfrm>
+          <a:off x="0" y="0"/>
+          <a:ext cx="0" cy="0"/>
+          <a:chOff x="0" y="0"/>
+          <a:chExt cx="0" cy="0"/>
+        </a:xfrm>
+      </p:grpSpPr>
+      <p:sp>
+        <p:nvSpPr>
+          <p:cNvPr id="2" name="Text Placeholder 1"/>
+          <p:cNvSpPr>
+            <a:spLocks noGrp="1"/>
+          </p:cNvSpPr>
+          <p:nvPr>
+            <p:ph type="body" sz="quarter" idx="10"/>
+          </p:nvPr>
+        </p:nvSpPr>
+        <p:spPr>
+          <a:xfrm>
+            <a:off x="274638" y="1212850"/>
+            <a:ext cx="11887200" cy="4801314"/>
+          </a:xfrm>
+        </p:spPr>
+        <p:txBody>
+          <a:bodyPr/>
+          <a:lstStyle/>
+          <a:p>
+            <a:pPr marL="742950" indent="-742950">
+              <a:buFont typeface="+mj-lt"/>
+              <a:buAutoNum type="arabicPeriod"/>
+            </a:pPr>
+            <a:r>
+              <a:rPr lang="en-US" dirty="0"/>
+              <a:t>Create Database (aka Schema) in MySQL Locally</a:t>
+            </a:r>
+          </a:p>
+          <a:p>
+            <a:pPr marL="742950" indent="-742950">
+              <a:buFont typeface="+mj-lt"/>
+              <a:buAutoNum type="arabicPeriod"/>
+            </a:pPr>
+            <a:r>
+              <a:rPr lang="en-US" dirty="0"/>
+              <a:t>Unzip source</a:t>
+            </a:r>
+          </a:p>
+          <a:p>
+            <a:pPr marL="742950" indent="-742950">
+              <a:buFont typeface="+mj-lt"/>
+              <a:buAutoNum type="arabicPeriod"/>
+            </a:pPr>
+            <a:r>
+              <a:rPr lang="en-US" dirty="0"/>
+              <a:t>Open in WebMatrix</a:t>
+            </a:r>
+          </a:p>
+          <a:p>
+            <a:pPr marL="742950" indent="-742950">
+              <a:buFont typeface="+mj-lt"/>
+              <a:buAutoNum type="arabicPeriod"/>
+            </a:pPr>
+            <a:r>
+              <a:rPr lang="en-US" dirty="0"/>
+              <a:t>Run WordPress install Wizard</a:t>
+            </a:r>
+          </a:p>
+          <a:p>
+            <a:pPr marL="742950" indent="-742950">
+              <a:buFont typeface="+mj-lt"/>
+              <a:buAutoNum type="arabicPeriod"/>
+            </a:pPr>
+            <a:r>
+              <a:rPr lang="en-US" dirty="0"/>
+              <a:t>Set </a:t>
+            </a:r>
+            <a:r>
+              <a:rPr lang="en-US" dirty="0" err="1"/>
+              <a:t>Divi</a:t>
+            </a:r>
+            <a:r>
+              <a:rPr lang="en-US" dirty="0"/>
+              <a:t> Child as your default theme</a:t>
+            </a:r>
+          </a:p>
+          <a:p>
+            <a:pPr marL="742950" indent="-742950">
+              <a:buFont typeface="+mj-lt"/>
+              <a:buAutoNum type="arabicPeriod"/>
+            </a:pPr>
+            <a:endParaRPr lang="en-US" dirty="0"/>
+          </a:p>
+          <a:p>
+            <a:pPr marL="742950" indent="-742950">
+              <a:buFont typeface="+mj-lt"/>
+              <a:buAutoNum type="arabicPeriod"/>
+            </a:pPr>
+            <a:endParaRPr lang="en-US" dirty="0"/>
+          </a:p>
+        </p:txBody>
+      </p:sp>
+      <p:sp>
+        <p:nvSpPr>
+          <p:cNvPr id="3" name="Title 2"/>
+          <p:cNvSpPr>
+            <a:spLocks noGrp="1"/>
+          </p:cNvSpPr>
+          <p:nvPr>
+            <p:ph type="title"/>
+          </p:nvPr>
+        </p:nvSpPr>
+        <p:spPr/>
+        <p:txBody>
+          <a:bodyPr/>
+          <a:lstStyle/>
+          <a:p>
+            <a:r>
+              <a:rPr lang="en-US" dirty="0"/>
+              <a:t>Deploy GiveCamp Distro of WordPress</a:t>
+            </a:r>
+          </a:p>
+        </p:txBody>
+      </p:sp>
+    </p:spTree>
+    <p:extLst>
+      <p:ext uri="{BB962C8B-B14F-4D97-AF65-F5344CB8AC3E}">
+        <p14:creationId xmlns:p14="http://schemas.microsoft.com/office/powerpoint/2010/main" val="2110618809"/>
+      </p:ext>
+    </p:extLst>
+  </p:cSld>
+  <p:clrMapOvr>
+    <a:masterClrMapping/>
+  </p:clrMapOvr>
+  <p:transition>
+    <p:fade/>
+  </p:transition>
+</p:sld>
+</file>
+
+<file path=ppt/slides/slide15.xml><?xml version="1.0" encoding="utf-8"?>
+<p:sld xmlns:a="http://schemas.openxmlformats.org/drawingml/2006/main" xmlns:r="http://schemas.openxmlformats.org/officeDocument/2006/relationships" xmlns:p="http://schemas.openxmlformats.org/presentationml/2006/main">
+  <p:cSld>
+    <p:spTree>
+      <p:nvGrpSpPr>
+        <p:cNvPr id="1" name=""/>
+        <p:cNvGrpSpPr/>
+        <p:nvPr/>
+      </p:nvGrpSpPr>
+      <p:grpSpPr>
+        <a:xfrm>
+          <a:off x="0" y="0"/>
+          <a:ext cx="0" cy="0"/>
+          <a:chOff x="0" y="0"/>
+          <a:chExt cx="0" cy="0"/>
+        </a:xfrm>
+      </p:grpSpPr>
+      <p:sp>
+        <p:nvSpPr>
+          <p:cNvPr id="4" name="Title 3"/>
+          <p:cNvSpPr>
+            <a:spLocks noGrp="1"/>
+          </p:cNvSpPr>
+          <p:nvPr>
+            <p:ph type="title"/>
+          </p:nvPr>
+        </p:nvSpPr>
+        <p:spPr/>
+        <p:txBody>
+          <a:bodyPr/>
+          <a:lstStyle/>
+          <a:p>
+            <a:r>
+              <a:rPr lang="en-US" dirty="0"/>
+              <a:t>Tour de WordPress</a:t>
+            </a:r>
+            <a:br>
+              <a:rPr lang="en-US" dirty="0"/>
+            </a:br>
+            <a:endParaRPr lang="en-US" dirty="0"/>
+          </a:p>
+        </p:txBody>
+      </p:sp>
+      <p:pic>
+        <p:nvPicPr>
+          <p:cNvPr id="2" name="Picture Placeholder 1"/>
+          <p:cNvPicPr>
+            <a:picLocks noGrp="1" noChangeAspect="1"/>
+          </p:cNvPicPr>
+          <p:nvPr>
+            <p:ph type="pic" sz="quarter" idx="10"/>
+          </p:nvPr>
+        </p:nvPicPr>
+        <p:blipFill>
+          <a:blip r:embed="rId2"/>
+          <a:srcRect l="16663" r="16663"/>
+          <a:stretch>
+            <a:fillRect/>
+          </a:stretch>
+        </p:blipFill>
+        <p:spPr/>
+      </p:pic>
+    </p:spTree>
+    <p:extLst>
+      <p:ext uri="{BB962C8B-B14F-4D97-AF65-F5344CB8AC3E}">
+        <p14:creationId xmlns:p14="http://schemas.microsoft.com/office/powerpoint/2010/main" val="3344354974"/>
+      </p:ext>
+    </p:extLst>
+  </p:cSld>
+  <p:clrMapOvr>
+    <a:masterClrMapping/>
+  </p:clrMapOvr>
+  <p:transition>
+    <p:fade/>
+  </p:transition>
+</p:sld>
+</file>
+
+<file path=ppt/slides/slide16.xml><?xml version="1.0" encoding="utf-8"?>
+<p:sld xmlns:a="http://schemas.openxmlformats.org/drawingml/2006/main" xmlns:r="http://schemas.openxmlformats.org/officeDocument/2006/relationships" xmlns:p="http://schemas.openxmlformats.org/presentationml/2006/main">
+  <p:cSld>
+    <p:spTree>
+      <p:nvGrpSpPr>
+        <p:cNvPr id="1" name=""/>
+        <p:cNvGrpSpPr/>
+        <p:nvPr/>
+      </p:nvGrpSpPr>
+      <p:grpSpPr>
+        <a:xfrm>
+          <a:off x="0" y="0"/>
+          <a:ext cx="0" cy="0"/>
+          <a:chOff x="0" y="0"/>
+          <a:chExt cx="0" cy="0"/>
+        </a:xfrm>
+      </p:grpSpPr>
+      <p:sp>
+        <p:nvSpPr>
+          <p:cNvPr id="5" name="Text Placeholder 4"/>
+          <p:cNvSpPr>
+            <a:spLocks noGrp="1"/>
+          </p:cNvSpPr>
+          <p:nvPr>
+            <p:ph type="body" sz="quarter" idx="10"/>
+          </p:nvPr>
+        </p:nvSpPr>
+        <p:spPr>
+          <a:xfrm>
+            <a:off x="274638" y="1212850"/>
+            <a:ext cx="11887200" cy="2769989"/>
+          </a:xfrm>
+        </p:spPr>
+        <p:txBody>
+          <a:bodyPr/>
+          <a:lstStyle/>
+          <a:p>
+            <a:r>
+              <a:rPr lang="en-US" dirty="0"/>
+              <a:t>Create WordPress Instance Locally</a:t>
+            </a:r>
+          </a:p>
+          <a:p>
+            <a:r>
+              <a:rPr lang="en-US" dirty="0"/>
+              <a:t>Create/Edit Page</a:t>
+            </a:r>
+          </a:p>
+          <a:p>
+            <a:endParaRPr lang="en-US" dirty="0"/>
+          </a:p>
+          <a:p>
+            <a:endParaRPr lang="en-US" dirty="0"/>
+          </a:p>
+        </p:txBody>
+      </p:sp>
+      <p:sp>
+        <p:nvSpPr>
+          <p:cNvPr id="4" name="Title 3"/>
+          <p:cNvSpPr>
+            <a:spLocks noGrp="1"/>
+          </p:cNvSpPr>
+          <p:nvPr>
+            <p:ph type="title"/>
+          </p:nvPr>
+        </p:nvSpPr>
+        <p:spPr/>
+        <p:txBody>
+          <a:bodyPr/>
+          <a:lstStyle/>
+          <a:p>
+            <a:r>
+              <a:rPr lang="en-US" dirty="0"/>
+              <a:t>Demo</a:t>
+            </a:r>
+          </a:p>
+        </p:txBody>
+      </p:sp>
+    </p:spTree>
+    <p:extLst>
+      <p:ext uri="{BB962C8B-B14F-4D97-AF65-F5344CB8AC3E}">
+        <p14:creationId xmlns:p14="http://schemas.microsoft.com/office/powerpoint/2010/main" val="644258625"/>
+      </p:ext>
+    </p:extLst>
+  </p:cSld>
+  <p:clrMapOvr>
+    <a:masterClrMapping/>
+  </p:clrMapOvr>
+  <p:transition>
+    <p:fade/>
+  </p:transition>
+</p:sld>
+</file>
+
+<file path=ppt/slides/slide17.xml><?xml version="1.0" encoding="utf-8"?>
+<p:sld xmlns:a="http://schemas.openxmlformats.org/drawingml/2006/main" xmlns:r="http://schemas.openxmlformats.org/officeDocument/2006/relationships" xmlns:p="http://schemas.openxmlformats.org/presentationml/2006/main">
+  <p:cSld>
+    <p:spTree>
+      <p:nvGrpSpPr>
+        <p:cNvPr id="1" name=""/>
+        <p:cNvGrpSpPr/>
+        <p:nvPr/>
+      </p:nvGrpSpPr>
+      <p:grpSpPr>
+        <a:xfrm>
+          <a:off x="0" y="0"/>
+          <a:ext cx="0" cy="0"/>
+          <a:chOff x="0" y="0"/>
+          <a:chExt cx="0" cy="0"/>
+        </a:xfrm>
+      </p:grpSpPr>
+      <p:sp>
+        <p:nvSpPr>
+          <p:cNvPr id="4" name="Title 3"/>
+          <p:cNvSpPr>
+            <a:spLocks noGrp="1"/>
+          </p:cNvSpPr>
+          <p:nvPr>
+            <p:ph type="title"/>
+          </p:nvPr>
+        </p:nvSpPr>
+        <p:spPr/>
+        <p:txBody>
+          <a:bodyPr/>
+          <a:lstStyle/>
+          <a:p>
+            <a:r>
+              <a:rPr lang="en-US" dirty="0"/>
+              <a:t>Shawn’s Tips</a:t>
+            </a:r>
+          </a:p>
+        </p:txBody>
+      </p:sp>
+      <p:pic>
+        <p:nvPicPr>
+          <p:cNvPr id="7" name="Picture Placeholder 6"/>
+          <p:cNvPicPr>
+            <a:picLocks noGrp="1" noChangeAspect="1"/>
+          </p:cNvPicPr>
+          <p:nvPr>
+            <p:ph type="pic" sz="quarter" idx="10"/>
+          </p:nvPr>
+        </p:nvPicPr>
+        <p:blipFill>
+          <a:blip r:embed="rId2"/>
+          <a:srcRect l="5551" r="5551"/>
+          <a:stretch>
+            <a:fillRect/>
+          </a:stretch>
+        </p:blipFill>
+        <p:spPr/>
+      </p:pic>
+    </p:spTree>
+    <p:extLst>
+      <p:ext uri="{BB962C8B-B14F-4D97-AF65-F5344CB8AC3E}">
+        <p14:creationId xmlns:p14="http://schemas.microsoft.com/office/powerpoint/2010/main" val="452503260"/>
+      </p:ext>
+    </p:extLst>
+  </p:cSld>
+  <p:clrMapOvr>
+    <a:masterClrMapping/>
+  </p:clrMapOvr>
+  <p:transition>
+    <p:fade/>
+  </p:transition>
+</p:sld>
+</file>
+
+<file path=ppt/slides/slide18.xml><?xml version="1.0" encoding="utf-8"?>
+<p:sld xmlns:a="http://schemas.openxmlformats.org/drawingml/2006/main" xmlns:r="http://schemas.openxmlformats.org/officeDocument/2006/relationships" xmlns:p="http://schemas.openxmlformats.org/presentationml/2006/main">
+  <p:cSld>
+    <p:spTree>
+      <p:nvGrpSpPr>
+        <p:cNvPr id="1" name=""/>
+        <p:cNvGrpSpPr/>
+        <p:nvPr/>
+      </p:nvGrpSpPr>
+      <p:grpSpPr>
+        <a:xfrm>
+          <a:off x="0" y="0"/>
+          <a:ext cx="0" cy="0"/>
+          <a:chOff x="0" y="0"/>
+          <a:chExt cx="0" cy="0"/>
+        </a:xfrm>
+      </p:grpSpPr>
+      <p:sp>
+        <p:nvSpPr>
+          <p:cNvPr id="5" name="Text Placeholder 4"/>
+          <p:cNvSpPr>
+            <a:spLocks noGrp="1"/>
+          </p:cNvSpPr>
+          <p:nvPr>
+            <p:ph type="body" sz="quarter" idx="10"/>
+          </p:nvPr>
+        </p:nvSpPr>
+        <p:spPr>
+          <a:xfrm>
+            <a:off x="274638" y="1212850"/>
+            <a:ext cx="11887200" cy="4801314"/>
+          </a:xfrm>
+        </p:spPr>
+        <p:txBody>
+          <a:bodyPr/>
+          <a:lstStyle/>
+          <a:p>
+            <a:r>
+              <a:rPr lang="en-US" dirty="0"/>
+              <a:t>Overall Theme/Look and Feel</a:t>
+            </a:r>
+          </a:p>
+          <a:p>
+            <a:r>
+              <a:rPr lang="en-US" dirty="0"/>
+              <a:t>Home Page</a:t>
+            </a:r>
+          </a:p>
+          <a:p>
+            <a:r>
+              <a:rPr lang="en-US" dirty="0"/>
+              <a:t>About Us Page</a:t>
+            </a:r>
+          </a:p>
+          <a:p>
+            <a:r>
+              <a:rPr lang="en-US" dirty="0"/>
+              <a:t>Contact Us Page</a:t>
+            </a:r>
+          </a:p>
+          <a:p>
+            <a:r>
+              <a:rPr lang="en-US" dirty="0"/>
+              <a:t>Events Page</a:t>
+            </a:r>
+          </a:p>
+          <a:p>
+            <a:r>
+              <a:rPr lang="en-US" dirty="0"/>
+              <a:t>Blog</a:t>
+            </a:r>
+          </a:p>
+          <a:p>
+            <a:r>
+              <a:rPr lang="en-US" dirty="0" err="1"/>
+              <a:t>Etc</a:t>
+            </a:r>
+            <a:r>
+              <a:rPr lang="en-US" dirty="0"/>
+              <a:t>…</a:t>
+            </a:r>
+          </a:p>
+        </p:txBody>
+      </p:sp>
+      <p:sp>
+        <p:nvSpPr>
+          <p:cNvPr id="4" name="Title 3"/>
+          <p:cNvSpPr>
+            <a:spLocks noGrp="1"/>
+          </p:cNvSpPr>
+          <p:nvPr>
+            <p:ph type="title"/>
+          </p:nvPr>
+        </p:nvSpPr>
+        <p:spPr/>
+        <p:txBody>
+          <a:bodyPr/>
+          <a:lstStyle/>
+          <a:p>
+            <a:r>
+              <a:rPr lang="en-US" dirty="0"/>
+              <a:t>Break the work into a few main goals</a:t>
+            </a:r>
+          </a:p>
+        </p:txBody>
+      </p:sp>
+    </p:spTree>
+    <p:extLst>
+      <p:ext uri="{BB962C8B-B14F-4D97-AF65-F5344CB8AC3E}">
+        <p14:creationId xmlns:p14="http://schemas.microsoft.com/office/powerpoint/2010/main" val="3912200588"/>
+      </p:ext>
+    </p:extLst>
+  </p:cSld>
+  <p:clrMapOvr>
+    <a:masterClrMapping/>
+  </p:clrMapOvr>
+  <p:transition>
+    <p:fade/>
+  </p:transition>
+</p:sld>
+</file>
+
+<file path=ppt/slides/slide19.xml><?xml version="1.0" encoding="utf-8"?>
+<p:sld xmlns:a="http://schemas.openxmlformats.org/drawingml/2006/main" xmlns:r="http://schemas.openxmlformats.org/officeDocument/2006/relationships" xmlns:p="http://schemas.openxmlformats.org/presentationml/2006/main">
+  <p:cSld>
+    <p:spTree>
+      <p:nvGrpSpPr>
+        <p:cNvPr id="1" name=""/>
+        <p:cNvGrpSpPr/>
+        <p:nvPr/>
+      </p:nvGrpSpPr>
+      <p:grpSpPr>
+        <a:xfrm>
+          <a:off x="0" y="0"/>
+          <a:ext cx="0" cy="0"/>
+          <a:chOff x="0" y="0"/>
+          <a:chExt cx="0" cy="0"/>
+        </a:xfrm>
+      </p:grpSpPr>
+      <p:sp>
+        <p:nvSpPr>
+          <p:cNvPr id="2" name="Text Placeholder 1"/>
+          <p:cNvSpPr>
+            <a:spLocks noGrp="1"/>
+          </p:cNvSpPr>
+          <p:nvPr>
+            <p:ph type="body" sz="quarter" idx="10"/>
+          </p:nvPr>
+        </p:nvSpPr>
+        <p:spPr>
+          <a:xfrm>
+            <a:off x="274638" y="1212850"/>
+            <a:ext cx="11887200" cy="2646878"/>
+          </a:xfrm>
+        </p:spPr>
+        <p:txBody>
+          <a:bodyPr/>
+          <a:lstStyle/>
+          <a:p>
+            <a:r>
+              <a:rPr lang="en-US" dirty="0"/>
+              <a:t>Know what you have to do, don’t get lost in the weeds</a:t>
+            </a:r>
+          </a:p>
+          <a:p>
+            <a:r>
+              <a:rPr lang="en-US" dirty="0"/>
+              <a:t>Post-its, Marker board, Digital Kanban board</a:t>
+            </a:r>
+          </a:p>
+          <a:p>
+            <a:endParaRPr lang="en-US" dirty="0"/>
+          </a:p>
+        </p:txBody>
+      </p:sp>
+      <p:sp>
+        <p:nvSpPr>
+          <p:cNvPr id="3" name="Title 2"/>
+          <p:cNvSpPr>
+            <a:spLocks noGrp="1"/>
+          </p:cNvSpPr>
+          <p:nvPr>
+            <p:ph type="title"/>
+          </p:nvPr>
+        </p:nvSpPr>
+        <p:spPr/>
+        <p:txBody>
+          <a:bodyPr/>
+          <a:lstStyle/>
+          <a:p>
+            <a:r>
+              <a:rPr lang="en-US" dirty="0"/>
+              <a:t>Keep track of tasks</a:t>
+            </a:r>
+          </a:p>
+        </p:txBody>
+      </p:sp>
+    </p:spTree>
+    <p:extLst>
+      <p:ext uri="{BB962C8B-B14F-4D97-AF65-F5344CB8AC3E}">
+        <p14:creationId xmlns:p14="http://schemas.microsoft.com/office/powerpoint/2010/main" val="4099687368"/>
+      </p:ext>
+    </p:extLst>
+  </p:cSld>
+  <p:clrMapOvr>
+    <a:masterClrMapping/>
+  </p:clrMapOvr>
+  <p:transition>
+    <p:fade/>
+  </p:transition>
 </p:sld>
 </file>
 
@@ -6106,7 +7240,7 @@
       </p:sp>
       <p:pic>
         <p:nvPicPr>
-          <p:cNvPr id="7" name="Picture 6" descr="http://www.dallasgivecamp.org/Themes/DallasGiveCamp/Content/Images/GiveCampDallas_small.png"/>
+          <p:cNvPr id="8" name="Picture 7" descr="C:\Users\SHAWN\Desktop\drn-logo.jpg"/>
           <p:cNvPicPr>
             <a:picLocks noChangeAspect="1" noChangeArrowheads="1"/>
           </p:cNvPicPr>
@@ -6114,47 +7248,6 @@
         </p:nvPicPr>
         <p:blipFill>
           <a:blip r:embed="rId2">
-            <a:extLst>
-              <a:ext uri="{28A0092B-C50C-407E-A947-70E740481C1C}">
-                <a14:useLocalDpi xmlns:a14="http://schemas.microsoft.com/office/drawing/2010/main" val="0"/>
-              </a:ext>
-            </a:extLst>
-          </a:blip>
-          <a:srcRect/>
-          <a:stretch>
-            <a:fillRect/>
-          </a:stretch>
-        </p:blipFill>
-        <p:spPr bwMode="auto">
-          <a:xfrm>
-            <a:off x="2164113" y="4099364"/>
-            <a:ext cx="2830313" cy="1049820"/>
-          </a:xfrm>
-          <a:prstGeom prst="rect">
-            <a:avLst/>
-          </a:prstGeom>
-          <a:noFill/>
-          <a:extLst>
-            <a:ext uri="{909E8E84-426E-40DD-AFC4-6F175D3DCCD1}">
-              <a14:hiddenFill xmlns:a14="http://schemas.microsoft.com/office/drawing/2010/main">
-                <a:solidFill>
-                  <a:srgbClr val="FFFFFF"/>
-                </a:solidFill>
-              </a14:hiddenFill>
-            </a:ext>
-          </a:extLst>
-        </p:spPr>
-      </p:pic>
-      <p:pic>
-        <p:nvPicPr>
-          <p:cNvPr id="8" name="Picture 7" descr="C:\Users\SHAWN\Desktop\drn-logo.jpg"/>
-          <p:cNvPicPr>
-            <a:picLocks noChangeAspect="1" noChangeArrowheads="1"/>
-          </p:cNvPicPr>
-          <p:nvPr/>
-        </p:nvPicPr>
-        <p:blipFill>
-          <a:blip r:embed="rId3">
             <a:extLst>
               <a:ext uri="{28A0092B-C50C-407E-A947-70E740481C1C}">
                 <a14:useLocalDpi xmlns:a14="http://schemas.microsoft.com/office/drawing/2010/main" val="0"/>
@@ -6195,7 +7288,7 @@
           <p:nvPr/>
         </p:nvPicPr>
         <p:blipFill>
-          <a:blip r:embed="rId4" cstate="print"/>
+          <a:blip r:embed="rId3" cstate="print"/>
           <a:srcRect/>
           <a:stretch>
             <a:fillRect/>
@@ -6227,7 +7320,7 @@
           <p:nvPr/>
         </p:nvPicPr>
         <p:blipFill>
-          <a:blip r:embed="rId5" cstate="print"/>
+          <a:blip r:embed="rId4" cstate="print"/>
           <a:srcRect/>
           <a:stretch>
             <a:fillRect/>
@@ -6259,7 +7352,7 @@
           <p:nvPr/>
         </p:nvPicPr>
         <p:blipFill>
-          <a:blip r:embed="rId6">
+          <a:blip r:embed="rId5">
             <a:extLst>
               <a:ext uri="{28A0092B-C50C-407E-A947-70E740481C1C}">
                 <a14:useLocalDpi xmlns:a14="http://schemas.microsoft.com/office/drawing/2010/main" val="0"/>
@@ -6300,7 +7393,7 @@
           <p:nvPr/>
         </p:nvPicPr>
         <p:blipFill>
-          <a:blip r:embed="rId7" cstate="print">
+          <a:blip r:embed="rId6" cstate="print">
             <a:extLst>
               <a:ext uri="{28A0092B-C50C-407E-A947-70E740481C1C}">
                 <a14:useLocalDpi xmlns:a14="http://schemas.microsoft.com/office/drawing/2010/main" val="0"/>
@@ -6341,7 +7434,7 @@
           <p:nvPr/>
         </p:nvPicPr>
         <p:blipFill>
-          <a:blip r:embed="rId8">
+          <a:blip r:embed="rId7">
             <a:extLst>
               <a:ext uri="{28A0092B-C50C-407E-A947-70E740481C1C}">
                 <a14:useLocalDpi xmlns:a14="http://schemas.microsoft.com/office/drawing/2010/main" val="0"/>
@@ -6373,10 +7466,1244 @@
           </a:extLst>
         </p:spPr>
       </p:pic>
+      <p:pic>
+        <p:nvPicPr>
+          <p:cNvPr id="14" name="Picture 13"/>
+          <p:cNvPicPr>
+            <a:picLocks noChangeAspect="1"/>
+          </p:cNvPicPr>
+          <p:nvPr/>
+        </p:nvPicPr>
+        <p:blipFill>
+          <a:blip r:embed="rId8"/>
+          <a:stretch>
+            <a:fillRect/>
+          </a:stretch>
+        </p:blipFill>
+        <p:spPr>
+          <a:xfrm>
+            <a:off x="2011954" y="4158962"/>
+            <a:ext cx="3139483" cy="762561"/>
+          </a:xfrm>
+          <a:prstGeom prst="rect">
+            <a:avLst/>
+          </a:prstGeom>
+        </p:spPr>
+      </p:pic>
     </p:spTree>
     <p:extLst>
       <p:ext uri="{BB962C8B-B14F-4D97-AF65-F5344CB8AC3E}">
         <p14:creationId xmlns:p14="http://schemas.microsoft.com/office/powerpoint/2010/main" val="482029232"/>
+      </p:ext>
+    </p:extLst>
+  </p:cSld>
+  <p:clrMapOvr>
+    <a:masterClrMapping/>
+  </p:clrMapOvr>
+  <p:transition>
+    <p:fade/>
+  </p:transition>
+</p:sld>
+</file>
+
+<file path=ppt/slides/slide20.xml><?xml version="1.0" encoding="utf-8"?>
+<p:sld xmlns:a="http://schemas.openxmlformats.org/drawingml/2006/main" xmlns:r="http://schemas.openxmlformats.org/officeDocument/2006/relationships" xmlns:p="http://schemas.openxmlformats.org/presentationml/2006/main">
+  <p:cSld>
+    <p:spTree>
+      <p:nvGrpSpPr>
+        <p:cNvPr id="1" name=""/>
+        <p:cNvGrpSpPr/>
+        <p:nvPr/>
+      </p:nvGrpSpPr>
+      <p:grpSpPr>
+        <a:xfrm>
+          <a:off x="0" y="0"/>
+          <a:ext cx="0" cy="0"/>
+          <a:chOff x="0" y="0"/>
+          <a:chExt cx="0" cy="0"/>
+        </a:xfrm>
+      </p:grpSpPr>
+      <p:sp>
+        <p:nvSpPr>
+          <p:cNvPr id="2" name="Text Placeholder 1"/>
+          <p:cNvSpPr>
+            <a:spLocks noGrp="1"/>
+          </p:cNvSpPr>
+          <p:nvPr>
+            <p:ph type="body" sz="quarter" idx="10"/>
+          </p:nvPr>
+        </p:nvSpPr>
+        <p:spPr>
+          <a:xfrm>
+            <a:off x="274638" y="1212850"/>
+            <a:ext cx="11887200" cy="2092881"/>
+          </a:xfrm>
+        </p:spPr>
+        <p:txBody>
+          <a:bodyPr/>
+          <a:lstStyle/>
+          <a:p>
+            <a:r>
+              <a:rPr lang="en-US" dirty="0"/>
+              <a:t>What parts of the page are static HTML Content?</a:t>
+            </a:r>
+          </a:p>
+          <a:p>
+            <a:r>
+              <a:rPr lang="en-US" dirty="0"/>
+              <a:t>What parts of the page require a plugin/module?</a:t>
+            </a:r>
+          </a:p>
+          <a:p>
+            <a:endParaRPr lang="en-US" dirty="0"/>
+          </a:p>
+        </p:txBody>
+      </p:sp>
+      <p:sp>
+        <p:nvSpPr>
+          <p:cNvPr id="3" name="Title 2"/>
+          <p:cNvSpPr>
+            <a:spLocks noGrp="1"/>
+          </p:cNvSpPr>
+          <p:nvPr>
+            <p:ph type="title"/>
+          </p:nvPr>
+        </p:nvSpPr>
+        <p:spPr/>
+        <p:txBody>
+          <a:bodyPr/>
+          <a:lstStyle/>
+          <a:p>
+            <a:r>
+              <a:rPr lang="en-US" dirty="0"/>
+              <a:t>Decompose each into its parts</a:t>
+            </a:r>
+          </a:p>
+        </p:txBody>
+      </p:sp>
+      <p:pic>
+        <p:nvPicPr>
+          <p:cNvPr id="4" name="Picture 3"/>
+          <p:cNvPicPr>
+            <a:picLocks noChangeAspect="1"/>
+          </p:cNvPicPr>
+          <p:nvPr/>
+        </p:nvPicPr>
+        <p:blipFill>
+          <a:blip r:embed="rId2"/>
+          <a:stretch>
+            <a:fillRect/>
+          </a:stretch>
+        </p:blipFill>
+        <p:spPr>
+          <a:xfrm>
+            <a:off x="960437" y="3463406"/>
+            <a:ext cx="1962566" cy="3033712"/>
+          </a:xfrm>
+          <a:prstGeom prst="rect">
+            <a:avLst/>
+          </a:prstGeom>
+        </p:spPr>
+      </p:pic>
+      <p:pic>
+        <p:nvPicPr>
+          <p:cNvPr id="6" name="Picture 5"/>
+          <p:cNvPicPr>
+            <a:picLocks noChangeAspect="1"/>
+          </p:cNvPicPr>
+          <p:nvPr/>
+        </p:nvPicPr>
+        <p:blipFill>
+          <a:blip r:embed="rId3"/>
+          <a:stretch>
+            <a:fillRect/>
+          </a:stretch>
+        </p:blipFill>
+        <p:spPr>
+          <a:xfrm>
+            <a:off x="5456237" y="5021262"/>
+            <a:ext cx="3806702" cy="1381125"/>
+          </a:xfrm>
+          <a:prstGeom prst="rect">
+            <a:avLst/>
+          </a:prstGeom>
+        </p:spPr>
+      </p:pic>
+      <p:sp>
+        <p:nvSpPr>
+          <p:cNvPr id="8" name="Arrow: Right 7"/>
+          <p:cNvSpPr/>
+          <p:nvPr/>
+        </p:nvSpPr>
+        <p:spPr bwMode="auto">
+          <a:xfrm>
+            <a:off x="3551237" y="5344003"/>
+            <a:ext cx="1447800" cy="457200"/>
+          </a:xfrm>
+          <a:prstGeom prst="rightArrow">
+            <a:avLst/>
+          </a:prstGeom>
+          <a:ln w="3175">
+            <a:noFill/>
+            <a:headEnd type="none" w="med" len="med"/>
+            <a:tailEnd type="none" w="med" len="med"/>
+          </a:ln>
+        </p:spPr>
+        <p:style>
+          <a:lnRef idx="2">
+            <a:schemeClr val="accent1">
+              <a:shade val="50000"/>
+            </a:schemeClr>
+          </a:lnRef>
+          <a:fillRef idx="1">
+            <a:schemeClr val="accent1"/>
+          </a:fillRef>
+          <a:effectRef idx="0">
+            <a:schemeClr val="accent1"/>
+          </a:effectRef>
+          <a:fontRef idx="minor">
+            <a:schemeClr val="lt1"/>
+          </a:fontRef>
+        </p:style>
+        <p:txBody>
+          <a:bodyPr vert="horz" wrap="square" lIns="0" tIns="46637" rIns="0" bIns="46637" numCol="1" rtlCol="0" anchor="ctr" anchorCtr="0" compatLnSpc="1">
+            <a:prstTxWarp prst="textNoShape">
+              <a:avLst/>
+            </a:prstTxWarp>
+          </a:bodyPr>
+          <a:lstStyle/>
+          <a:p>
+            <a:pPr algn="ctr" defTabSz="932472" fontAlgn="base">
+              <a:spcBef>
+                <a:spcPct val="0"/>
+              </a:spcBef>
+              <a:spcAft>
+                <a:spcPct val="0"/>
+              </a:spcAft>
+            </a:pPr>
+            <a:endParaRPr lang="en-US" sz="2000" dirty="0">
+              <a:gradFill>
+                <a:gsLst>
+                  <a:gs pos="0">
+                    <a:srgbClr val="FFFFFF"/>
+                  </a:gs>
+                  <a:gs pos="100000">
+                    <a:srgbClr val="FFFFFF"/>
+                  </a:gs>
+                </a:gsLst>
+                <a:lin ang="5400000" scaled="0"/>
+              </a:gradFill>
+            </a:endParaRPr>
+          </a:p>
+        </p:txBody>
+      </p:sp>
+      <p:sp>
+        <p:nvSpPr>
+          <p:cNvPr id="9" name="TextBox 8"/>
+          <p:cNvSpPr txBox="1"/>
+          <p:nvPr/>
+        </p:nvSpPr>
+        <p:spPr>
+          <a:xfrm>
+            <a:off x="5380037" y="4420794"/>
+            <a:ext cx="3019416" cy="627864"/>
+          </a:xfrm>
+          <a:prstGeom prst="rect">
+            <a:avLst/>
+          </a:prstGeom>
+          <a:noFill/>
+        </p:spPr>
+        <p:txBody>
+          <a:bodyPr wrap="none" lIns="182880" tIns="146304" rIns="182880" bIns="146304" rtlCol="0">
+            <a:spAutoFit/>
+          </a:bodyPr>
+          <a:lstStyle/>
+          <a:p>
+            <a:pPr>
+              <a:lnSpc>
+                <a:spcPct val="90000"/>
+              </a:lnSpc>
+              <a:spcAft>
+                <a:spcPts val="600"/>
+              </a:spcAft>
+            </a:pPr>
+            <a:r>
+              <a:rPr lang="en-US" sz="2400" dirty="0" err="1">
+                <a:gradFill>
+                  <a:gsLst>
+                    <a:gs pos="2917">
+                      <a:schemeClr val="tx1"/>
+                    </a:gs>
+                    <a:gs pos="30000">
+                      <a:schemeClr val="tx1"/>
+                    </a:gs>
+                  </a:gsLst>
+                  <a:lin ang="5400000" scaled="0"/>
+                </a:gradFill>
+              </a:rPr>
+              <a:t>Divi</a:t>
+            </a:r>
+            <a:r>
+              <a:rPr lang="en-US" sz="2400" dirty="0">
+                <a:gradFill>
+                  <a:gsLst>
+                    <a:gs pos="2917">
+                      <a:schemeClr val="tx1"/>
+                    </a:gs>
+                    <a:gs pos="30000">
+                      <a:schemeClr val="tx1"/>
+                    </a:gs>
+                  </a:gsLst>
+                  <a:lin ang="5400000" scaled="0"/>
+                </a:gradFill>
+              </a:rPr>
+              <a:t> Person Module</a:t>
+            </a:r>
+          </a:p>
+        </p:txBody>
+      </p:sp>
+    </p:spTree>
+    <p:extLst>
+      <p:ext uri="{BB962C8B-B14F-4D97-AF65-F5344CB8AC3E}">
+        <p14:creationId xmlns:p14="http://schemas.microsoft.com/office/powerpoint/2010/main" val="549616006"/>
+      </p:ext>
+    </p:extLst>
+  </p:cSld>
+  <p:clrMapOvr>
+    <a:masterClrMapping/>
+  </p:clrMapOvr>
+  <p:transition>
+    <p:fade/>
+  </p:transition>
+</p:sld>
+</file>
+
+<file path=ppt/slides/slide21.xml><?xml version="1.0" encoding="utf-8"?>
+<p:sld xmlns:a="http://schemas.openxmlformats.org/drawingml/2006/main" xmlns:r="http://schemas.openxmlformats.org/officeDocument/2006/relationships" xmlns:p="http://schemas.openxmlformats.org/presentationml/2006/main">
+  <p:cSld>
+    <p:spTree>
+      <p:nvGrpSpPr>
+        <p:cNvPr id="1" name=""/>
+        <p:cNvGrpSpPr/>
+        <p:nvPr/>
+      </p:nvGrpSpPr>
+      <p:grpSpPr>
+        <a:xfrm>
+          <a:off x="0" y="0"/>
+          <a:ext cx="0" cy="0"/>
+          <a:chOff x="0" y="0"/>
+          <a:chExt cx="0" cy="0"/>
+        </a:xfrm>
+      </p:grpSpPr>
+      <p:sp>
+        <p:nvSpPr>
+          <p:cNvPr id="2" name="Text Placeholder 1"/>
+          <p:cNvSpPr>
+            <a:spLocks noGrp="1"/>
+          </p:cNvSpPr>
+          <p:nvPr>
+            <p:ph type="body" sz="quarter" idx="10"/>
+          </p:nvPr>
+        </p:nvSpPr>
+        <p:spPr>
+          <a:xfrm>
+            <a:off x="274638" y="1212850"/>
+            <a:ext cx="11887200" cy="2031325"/>
+          </a:xfrm>
+        </p:spPr>
+        <p:txBody>
+          <a:bodyPr/>
+          <a:lstStyle/>
+          <a:p>
+            <a:r>
+              <a:rPr lang="en-US" dirty="0"/>
+              <a:t>Before writing custom PHP code, review if a plugin can do what you need?</a:t>
+            </a:r>
+          </a:p>
+          <a:p>
+            <a:pPr lvl="1"/>
+            <a:r>
+              <a:rPr lang="en-US" dirty="0"/>
+              <a:t>Plugins will be better tested and receive updates and bug fixes, your code will not.</a:t>
+            </a:r>
+          </a:p>
+        </p:txBody>
+      </p:sp>
+      <p:sp>
+        <p:nvSpPr>
+          <p:cNvPr id="3" name="Title 2"/>
+          <p:cNvSpPr>
+            <a:spLocks noGrp="1"/>
+          </p:cNvSpPr>
+          <p:nvPr>
+            <p:ph type="title"/>
+          </p:nvPr>
+        </p:nvSpPr>
+        <p:spPr/>
+        <p:txBody>
+          <a:bodyPr/>
+          <a:lstStyle/>
+          <a:p>
+            <a:r>
+              <a:rPr lang="en-US" dirty="0"/>
+              <a:t>Can a Plugin Do it?</a:t>
+            </a:r>
+          </a:p>
+        </p:txBody>
+      </p:sp>
+    </p:spTree>
+    <p:extLst>
+      <p:ext uri="{BB962C8B-B14F-4D97-AF65-F5344CB8AC3E}">
+        <p14:creationId xmlns:p14="http://schemas.microsoft.com/office/powerpoint/2010/main" val="3013041896"/>
+      </p:ext>
+    </p:extLst>
+  </p:cSld>
+  <p:clrMapOvr>
+    <a:masterClrMapping/>
+  </p:clrMapOvr>
+  <p:transition>
+    <p:fade/>
+  </p:transition>
+</p:sld>
+</file>
+
+<file path=ppt/slides/slide22.xml><?xml version="1.0" encoding="utf-8"?>
+<p:sld xmlns:a="http://schemas.openxmlformats.org/drawingml/2006/main" xmlns:r="http://schemas.openxmlformats.org/officeDocument/2006/relationships" xmlns:p="http://schemas.openxmlformats.org/presentationml/2006/main">
+  <p:cSld>
+    <p:spTree>
+      <p:nvGrpSpPr>
+        <p:cNvPr id="1" name=""/>
+        <p:cNvGrpSpPr/>
+        <p:nvPr/>
+      </p:nvGrpSpPr>
+      <p:grpSpPr>
+        <a:xfrm>
+          <a:off x="0" y="0"/>
+          <a:ext cx="0" cy="0"/>
+          <a:chOff x="0" y="0"/>
+          <a:chExt cx="0" cy="0"/>
+        </a:xfrm>
+      </p:grpSpPr>
+      <p:sp>
+        <p:nvSpPr>
+          <p:cNvPr id="5" name="Text Placeholder 4"/>
+          <p:cNvSpPr>
+            <a:spLocks noGrp="1"/>
+          </p:cNvSpPr>
+          <p:nvPr>
+            <p:ph type="body" sz="quarter" idx="10"/>
+          </p:nvPr>
+        </p:nvSpPr>
+        <p:spPr>
+          <a:xfrm>
+            <a:off x="274638" y="1212850"/>
+            <a:ext cx="11887200" cy="2769989"/>
+          </a:xfrm>
+        </p:spPr>
+        <p:txBody>
+          <a:bodyPr/>
+          <a:lstStyle/>
+          <a:p>
+            <a:r>
+              <a:rPr lang="en-US" dirty="0"/>
+              <a:t>Test Plugins locally before deploying to production</a:t>
+            </a:r>
+          </a:p>
+          <a:p>
+            <a:pPr lvl="1"/>
+            <a:r>
+              <a:rPr lang="en-US" dirty="0"/>
+              <a:t>Does it do what you need?</a:t>
+            </a:r>
+          </a:p>
+          <a:p>
+            <a:pPr lvl="1"/>
+            <a:r>
+              <a:rPr lang="en-US" dirty="0"/>
+              <a:t>Is it easy to use/maintain?</a:t>
+            </a:r>
+          </a:p>
+          <a:p>
+            <a:pPr lvl="1"/>
+            <a:r>
+              <a:rPr lang="en-US" dirty="0"/>
+              <a:t>Is it popular/recommended?</a:t>
+            </a:r>
+          </a:p>
+          <a:p>
+            <a:pPr lvl="2"/>
+            <a:r>
+              <a:rPr lang="en-US" dirty="0"/>
+              <a:t>Look at scores/reviews in the WordPress Plugin Directory</a:t>
+            </a:r>
+          </a:p>
+          <a:p>
+            <a:pPr lvl="2"/>
+            <a:r>
+              <a:rPr lang="en-US" dirty="0"/>
+              <a:t>Look for reviews comparing plugins by trusted authors</a:t>
+            </a:r>
+          </a:p>
+        </p:txBody>
+      </p:sp>
+      <p:sp>
+        <p:nvSpPr>
+          <p:cNvPr id="4" name="Title 3"/>
+          <p:cNvSpPr>
+            <a:spLocks noGrp="1"/>
+          </p:cNvSpPr>
+          <p:nvPr>
+            <p:ph type="title"/>
+          </p:nvPr>
+        </p:nvSpPr>
+        <p:spPr/>
+        <p:txBody>
+          <a:bodyPr/>
+          <a:lstStyle/>
+          <a:p>
+            <a:r>
+              <a:rPr lang="en-US" dirty="0"/>
+              <a:t>Test Plugins</a:t>
+            </a:r>
+          </a:p>
+        </p:txBody>
+      </p:sp>
+    </p:spTree>
+    <p:extLst>
+      <p:ext uri="{BB962C8B-B14F-4D97-AF65-F5344CB8AC3E}">
+        <p14:creationId xmlns:p14="http://schemas.microsoft.com/office/powerpoint/2010/main" val="2956132943"/>
+      </p:ext>
+    </p:extLst>
+  </p:cSld>
+  <p:clrMapOvr>
+    <a:masterClrMapping/>
+  </p:clrMapOvr>
+  <p:transition>
+    <p:fade/>
+  </p:transition>
+</p:sld>
+</file>
+
+<file path=ppt/slides/slide23.xml><?xml version="1.0" encoding="utf-8"?>
+<p:sld xmlns:a="http://schemas.openxmlformats.org/drawingml/2006/main" xmlns:r="http://schemas.openxmlformats.org/officeDocument/2006/relationships" xmlns:p="http://schemas.openxmlformats.org/presentationml/2006/main">
+  <p:cSld>
+    <p:spTree>
+      <p:nvGrpSpPr>
+        <p:cNvPr id="1" name=""/>
+        <p:cNvGrpSpPr/>
+        <p:nvPr/>
+      </p:nvGrpSpPr>
+      <p:grpSpPr>
+        <a:xfrm>
+          <a:off x="0" y="0"/>
+          <a:ext cx="0" cy="0"/>
+          <a:chOff x="0" y="0"/>
+          <a:chExt cx="0" cy="0"/>
+        </a:xfrm>
+      </p:grpSpPr>
+      <p:sp>
+        <p:nvSpPr>
+          <p:cNvPr id="2" name="Text Placeholder 1"/>
+          <p:cNvSpPr>
+            <a:spLocks noGrp="1"/>
+          </p:cNvSpPr>
+          <p:nvPr>
+            <p:ph type="body" sz="quarter" idx="10"/>
+          </p:nvPr>
+        </p:nvSpPr>
+        <p:spPr>
+          <a:xfrm>
+            <a:off x="274638" y="1212850"/>
+            <a:ext cx="11887200" cy="3988784"/>
+          </a:xfrm>
+        </p:spPr>
+        <p:txBody>
+          <a:bodyPr/>
+          <a:lstStyle/>
+          <a:p>
+            <a:r>
+              <a:rPr lang="en-US" dirty="0"/>
+              <a:t>Before installing a plugin, review if </a:t>
+            </a:r>
+            <a:r>
+              <a:rPr lang="en-US" dirty="0" err="1"/>
+              <a:t>Divi</a:t>
+            </a:r>
+            <a:r>
+              <a:rPr lang="en-US" dirty="0"/>
+              <a:t> can natively do what you want. </a:t>
+            </a:r>
+          </a:p>
+          <a:p>
+            <a:pPr lvl="1"/>
+            <a:r>
+              <a:rPr lang="en-US" dirty="0"/>
+              <a:t>Every plugin you add </a:t>
+            </a:r>
+          </a:p>
+          <a:p>
+            <a:pPr lvl="2"/>
+            <a:r>
+              <a:rPr lang="en-US" dirty="0"/>
+              <a:t>Increases your chances that the additional code will slow down the site</a:t>
+            </a:r>
+          </a:p>
+          <a:p>
+            <a:pPr lvl="2"/>
+            <a:r>
+              <a:rPr lang="en-US" dirty="0"/>
+              <a:t>Increases your chances that there will be some strange interaction breaking things</a:t>
+            </a:r>
+          </a:p>
+          <a:p>
+            <a:pPr lvl="1"/>
+            <a:r>
+              <a:rPr lang="en-US" dirty="0"/>
+              <a:t>Check out the Elegant Themes Blog: </a:t>
+            </a:r>
+            <a:r>
+              <a:rPr lang="en-US" dirty="0">
+                <a:solidFill>
+                  <a:srgbClr val="FFFFFF"/>
+                </a:solidFill>
+              </a:rPr>
+              <a:t>https://www.elegantthemes.com/blog/</a:t>
+            </a:r>
+          </a:p>
+          <a:p>
+            <a:pPr lvl="1"/>
+            <a:r>
+              <a:rPr lang="en-US" dirty="0"/>
+              <a:t>Read/Review the docs: https://www.elegantthemes.com/gallery/divi/documentation/</a:t>
+            </a:r>
+          </a:p>
+        </p:txBody>
+      </p:sp>
+      <p:sp>
+        <p:nvSpPr>
+          <p:cNvPr id="3" name="Title 2"/>
+          <p:cNvSpPr>
+            <a:spLocks noGrp="1"/>
+          </p:cNvSpPr>
+          <p:nvPr>
+            <p:ph type="title"/>
+          </p:nvPr>
+        </p:nvSpPr>
+        <p:spPr/>
+        <p:txBody>
+          <a:bodyPr/>
+          <a:lstStyle/>
+          <a:p>
+            <a:r>
+              <a:rPr lang="en-US" dirty="0"/>
+              <a:t>Can </a:t>
+            </a:r>
+            <a:r>
+              <a:rPr lang="en-US" dirty="0" err="1"/>
+              <a:t>Divi</a:t>
+            </a:r>
+            <a:r>
+              <a:rPr lang="en-US" dirty="0"/>
+              <a:t> do it?</a:t>
+            </a:r>
+          </a:p>
+        </p:txBody>
+      </p:sp>
+    </p:spTree>
+    <p:extLst>
+      <p:ext uri="{BB962C8B-B14F-4D97-AF65-F5344CB8AC3E}">
+        <p14:creationId xmlns:p14="http://schemas.microsoft.com/office/powerpoint/2010/main" val="3788515280"/>
+      </p:ext>
+    </p:extLst>
+  </p:cSld>
+  <p:clrMapOvr>
+    <a:masterClrMapping/>
+  </p:clrMapOvr>
+  <p:transition>
+    <p:fade/>
+  </p:transition>
+</p:sld>
+</file>
+
+<file path=ppt/slides/slide24.xml><?xml version="1.0" encoding="utf-8"?>
+<p:sld xmlns:a="http://schemas.openxmlformats.org/drawingml/2006/main" xmlns:r="http://schemas.openxmlformats.org/officeDocument/2006/relationships" xmlns:p="http://schemas.openxmlformats.org/presentationml/2006/main">
+  <p:cSld>
+    <p:spTree>
+      <p:nvGrpSpPr>
+        <p:cNvPr id="1" name=""/>
+        <p:cNvGrpSpPr/>
+        <p:nvPr/>
+      </p:nvGrpSpPr>
+      <p:grpSpPr>
+        <a:xfrm>
+          <a:off x="0" y="0"/>
+          <a:ext cx="0" cy="0"/>
+          <a:chOff x="0" y="0"/>
+          <a:chExt cx="0" cy="0"/>
+        </a:xfrm>
+      </p:grpSpPr>
+      <p:sp>
+        <p:nvSpPr>
+          <p:cNvPr id="2" name="Text Placeholder 1"/>
+          <p:cNvSpPr>
+            <a:spLocks noGrp="1"/>
+          </p:cNvSpPr>
+          <p:nvPr>
+            <p:ph type="body" sz="quarter" idx="10"/>
+          </p:nvPr>
+        </p:nvSpPr>
+        <p:spPr>
+          <a:xfrm>
+            <a:off x="274638" y="1212850"/>
+            <a:ext cx="11887200" cy="2646878"/>
+          </a:xfrm>
+        </p:spPr>
+        <p:txBody>
+          <a:bodyPr/>
+          <a:lstStyle/>
+          <a:p>
+            <a:r>
+              <a:rPr lang="en-US" dirty="0"/>
+              <a:t>Prefer relative URLs for local links over absolute</a:t>
+            </a:r>
+          </a:p>
+          <a:p>
+            <a:r>
+              <a:rPr lang="en-US" dirty="0"/>
+              <a:t>This will allow you to do a DNS Swing later and not break any links.</a:t>
+            </a:r>
+          </a:p>
+          <a:p>
+            <a:r>
+              <a:rPr lang="en-US" dirty="0"/>
+              <a:t>Watch your Images . . . </a:t>
+            </a:r>
+          </a:p>
+        </p:txBody>
+      </p:sp>
+      <p:sp>
+        <p:nvSpPr>
+          <p:cNvPr id="3" name="Title 2"/>
+          <p:cNvSpPr>
+            <a:spLocks noGrp="1"/>
+          </p:cNvSpPr>
+          <p:nvPr>
+            <p:ph type="title"/>
+          </p:nvPr>
+        </p:nvSpPr>
+        <p:spPr/>
+        <p:txBody>
+          <a:bodyPr/>
+          <a:lstStyle/>
+          <a:p>
+            <a:r>
+              <a:rPr lang="en-US" dirty="0"/>
+              <a:t>Watch your URLs</a:t>
+            </a:r>
+          </a:p>
+        </p:txBody>
+      </p:sp>
+    </p:spTree>
+    <p:extLst>
+      <p:ext uri="{BB962C8B-B14F-4D97-AF65-F5344CB8AC3E}">
+        <p14:creationId xmlns:p14="http://schemas.microsoft.com/office/powerpoint/2010/main" val="714614434"/>
+      </p:ext>
+    </p:extLst>
+  </p:cSld>
+  <p:clrMapOvr>
+    <a:masterClrMapping/>
+  </p:clrMapOvr>
+  <p:transition>
+    <p:fade/>
+  </p:transition>
+</p:sld>
+</file>
+
+<file path=ppt/slides/slide25.xml><?xml version="1.0" encoding="utf-8"?>
+<p:sld xmlns:a="http://schemas.openxmlformats.org/drawingml/2006/main" xmlns:r="http://schemas.openxmlformats.org/officeDocument/2006/relationships" xmlns:p="http://schemas.openxmlformats.org/presentationml/2006/main">
+  <p:cSld>
+    <p:spTree>
+      <p:nvGrpSpPr>
+        <p:cNvPr id="1" name=""/>
+        <p:cNvGrpSpPr/>
+        <p:nvPr/>
+      </p:nvGrpSpPr>
+      <p:grpSpPr>
+        <a:xfrm>
+          <a:off x="0" y="0"/>
+          <a:ext cx="0" cy="0"/>
+          <a:chOff x="0" y="0"/>
+          <a:chExt cx="0" cy="0"/>
+        </a:xfrm>
+      </p:grpSpPr>
+      <p:sp>
+        <p:nvSpPr>
+          <p:cNvPr id="2" name="Text Placeholder 1"/>
+          <p:cNvSpPr>
+            <a:spLocks noGrp="1"/>
+          </p:cNvSpPr>
+          <p:nvPr>
+            <p:ph type="body" sz="quarter" idx="10"/>
+          </p:nvPr>
+        </p:nvSpPr>
+        <p:spPr>
+          <a:xfrm>
+            <a:off x="274638" y="1212850"/>
+            <a:ext cx="11887200" cy="4555093"/>
+          </a:xfrm>
+        </p:spPr>
+        <p:txBody>
+          <a:bodyPr/>
+          <a:lstStyle/>
+          <a:p>
+            <a:r>
+              <a:rPr lang="en-US" dirty="0"/>
+              <a:t>The requirements will ask for something.</a:t>
+            </a:r>
+          </a:p>
+          <a:p>
+            <a:r>
+              <a:rPr lang="en-US" dirty="0"/>
+              <a:t>There might be a popular plugin that does 90% of what the requirements are asking for…</a:t>
+            </a:r>
+          </a:p>
+          <a:p>
+            <a:r>
+              <a:rPr lang="en-US" dirty="0"/>
+              <a:t>Get the important work done and revisit less important hard things later.</a:t>
+            </a:r>
+          </a:p>
+          <a:p>
+            <a:endParaRPr lang="en-US" dirty="0"/>
+          </a:p>
+          <a:p>
+            <a:pPr marL="0" indent="0">
+              <a:buNone/>
+            </a:pPr>
+            <a:endParaRPr lang="en-US" dirty="0"/>
+          </a:p>
+        </p:txBody>
+      </p:sp>
+      <p:sp>
+        <p:nvSpPr>
+          <p:cNvPr id="3" name="Title 2"/>
+          <p:cNvSpPr>
+            <a:spLocks noGrp="1"/>
+          </p:cNvSpPr>
+          <p:nvPr>
+            <p:ph type="title"/>
+          </p:nvPr>
+        </p:nvSpPr>
+        <p:spPr/>
+        <p:txBody>
+          <a:bodyPr/>
+          <a:lstStyle/>
+          <a:p>
+            <a:r>
+              <a:rPr lang="en-US" dirty="0"/>
+              <a:t>Is it Good Enough?</a:t>
+            </a:r>
+          </a:p>
+        </p:txBody>
+      </p:sp>
+    </p:spTree>
+    <p:extLst>
+      <p:ext uri="{BB962C8B-B14F-4D97-AF65-F5344CB8AC3E}">
+        <p14:creationId xmlns:p14="http://schemas.microsoft.com/office/powerpoint/2010/main" val="1866899872"/>
+      </p:ext>
+    </p:extLst>
+  </p:cSld>
+  <p:clrMapOvr>
+    <a:masterClrMapping/>
+  </p:clrMapOvr>
+  <p:transition>
+    <p:fade/>
+  </p:transition>
+</p:sld>
+</file>
+
+<file path=ppt/slides/slide26.xml><?xml version="1.0" encoding="utf-8"?>
+<p:sld xmlns:a="http://schemas.openxmlformats.org/drawingml/2006/main" xmlns:r="http://schemas.openxmlformats.org/officeDocument/2006/relationships" xmlns:p="http://schemas.openxmlformats.org/presentationml/2006/main">
+  <p:cSld>
+    <p:spTree>
+      <p:nvGrpSpPr>
+        <p:cNvPr id="1" name=""/>
+        <p:cNvGrpSpPr/>
+        <p:nvPr/>
+      </p:nvGrpSpPr>
+      <p:grpSpPr>
+        <a:xfrm>
+          <a:off x="0" y="0"/>
+          <a:ext cx="0" cy="0"/>
+          <a:chOff x="0" y="0"/>
+          <a:chExt cx="0" cy="0"/>
+        </a:xfrm>
+      </p:grpSpPr>
+      <p:sp>
+        <p:nvSpPr>
+          <p:cNvPr id="2" name="Text Placeholder 1"/>
+          <p:cNvSpPr>
+            <a:spLocks noGrp="1"/>
+          </p:cNvSpPr>
+          <p:nvPr>
+            <p:ph type="body" sz="quarter" idx="10"/>
+          </p:nvPr>
+        </p:nvSpPr>
+        <p:spPr>
+          <a:xfrm>
+            <a:off x="274638" y="1212850"/>
+            <a:ext cx="11887200" cy="2646878"/>
+          </a:xfrm>
+        </p:spPr>
+        <p:txBody>
+          <a:bodyPr/>
+          <a:lstStyle/>
+          <a:p>
+            <a:r>
+              <a:rPr lang="en-US" dirty="0"/>
+              <a:t>Don’t use what you don’t have permission to use</a:t>
+            </a:r>
+          </a:p>
+          <a:p>
+            <a:r>
+              <a:rPr lang="en-US" dirty="0"/>
+              <a:t>Ensure that the charity is comfortable with the license of any code/photos you get from the web.</a:t>
+            </a:r>
+          </a:p>
+          <a:p>
+            <a:endParaRPr lang="en-US" dirty="0"/>
+          </a:p>
+        </p:txBody>
+      </p:sp>
+      <p:sp>
+        <p:nvSpPr>
+          <p:cNvPr id="3" name="Title 2"/>
+          <p:cNvSpPr>
+            <a:spLocks noGrp="1"/>
+          </p:cNvSpPr>
+          <p:nvPr>
+            <p:ph type="title"/>
+          </p:nvPr>
+        </p:nvSpPr>
+        <p:spPr/>
+        <p:txBody>
+          <a:bodyPr/>
+          <a:lstStyle/>
+          <a:p>
+            <a:r>
+              <a:rPr lang="en-US" dirty="0"/>
+              <a:t>Photos and Copyrights</a:t>
+            </a:r>
+          </a:p>
+        </p:txBody>
+      </p:sp>
+    </p:spTree>
+    <p:extLst>
+      <p:ext uri="{BB962C8B-B14F-4D97-AF65-F5344CB8AC3E}">
+        <p14:creationId xmlns:p14="http://schemas.microsoft.com/office/powerpoint/2010/main" val="3402034781"/>
+      </p:ext>
+    </p:extLst>
+  </p:cSld>
+  <p:clrMapOvr>
+    <a:masterClrMapping/>
+  </p:clrMapOvr>
+  <p:transition>
+    <p:fade/>
+  </p:transition>
+</p:sld>
+</file>
+
+<file path=ppt/slides/slide27.xml><?xml version="1.0" encoding="utf-8"?>
+<p:sld xmlns:a="http://schemas.openxmlformats.org/drawingml/2006/main" xmlns:r="http://schemas.openxmlformats.org/officeDocument/2006/relationships" xmlns:p="http://schemas.openxmlformats.org/presentationml/2006/main">
+  <p:cSld>
+    <p:spTree>
+      <p:nvGrpSpPr>
+        <p:cNvPr id="1" name=""/>
+        <p:cNvGrpSpPr/>
+        <p:nvPr/>
+      </p:nvGrpSpPr>
+      <p:grpSpPr>
+        <a:xfrm>
+          <a:off x="0" y="0"/>
+          <a:ext cx="0" cy="0"/>
+          <a:chOff x="0" y="0"/>
+          <a:chExt cx="0" cy="0"/>
+        </a:xfrm>
+      </p:grpSpPr>
+      <p:sp>
+        <p:nvSpPr>
+          <p:cNvPr id="2" name="Text Placeholder 1"/>
+          <p:cNvSpPr>
+            <a:spLocks noGrp="1"/>
+          </p:cNvSpPr>
+          <p:nvPr>
+            <p:ph type="body" sz="quarter" idx="10"/>
+          </p:nvPr>
+        </p:nvSpPr>
+        <p:spPr>
+          <a:xfrm>
+            <a:off x="274638" y="1212850"/>
+            <a:ext cx="11887200" cy="3742563"/>
+          </a:xfrm>
+        </p:spPr>
+        <p:txBody>
+          <a:bodyPr/>
+          <a:lstStyle/>
+          <a:p>
+            <a:r>
+              <a:rPr lang="en-US" dirty="0"/>
+              <a:t>Take pictures of the website before/after the weekend. </a:t>
+            </a:r>
+          </a:p>
+          <a:p>
+            <a:pPr lvl="1"/>
+            <a:r>
+              <a:rPr lang="en-US" dirty="0"/>
+              <a:t>This will help with final presentations on Sunday.</a:t>
+            </a:r>
+          </a:p>
+          <a:p>
+            <a:r>
+              <a:rPr lang="en-US" dirty="0"/>
+              <a:t>Take backups of the website (code and database) before and after the weekend.</a:t>
+            </a:r>
+          </a:p>
+          <a:p>
+            <a:pPr lvl="1"/>
+            <a:r>
+              <a:rPr lang="en-US" dirty="0"/>
+              <a:t>Talk to your Ninja, they might do this for you.  </a:t>
+            </a:r>
+          </a:p>
+          <a:p>
+            <a:pPr lvl="1"/>
+            <a:endParaRPr lang="en-US" dirty="0"/>
+          </a:p>
+        </p:txBody>
+      </p:sp>
+      <p:sp>
+        <p:nvSpPr>
+          <p:cNvPr id="3" name="Title 2"/>
+          <p:cNvSpPr>
+            <a:spLocks noGrp="1"/>
+          </p:cNvSpPr>
+          <p:nvPr>
+            <p:ph type="title"/>
+          </p:nvPr>
+        </p:nvSpPr>
+        <p:spPr/>
+        <p:txBody>
+          <a:bodyPr/>
+          <a:lstStyle/>
+          <a:p>
+            <a:r>
+              <a:rPr lang="en-US" dirty="0"/>
+              <a:t>Before and After</a:t>
+            </a:r>
+          </a:p>
+        </p:txBody>
+      </p:sp>
+    </p:spTree>
+    <p:extLst>
+      <p:ext uri="{BB962C8B-B14F-4D97-AF65-F5344CB8AC3E}">
+        <p14:creationId xmlns:p14="http://schemas.microsoft.com/office/powerpoint/2010/main" val="640206254"/>
+      </p:ext>
+    </p:extLst>
+  </p:cSld>
+  <p:clrMapOvr>
+    <a:masterClrMapping/>
+  </p:clrMapOvr>
+  <p:transition>
+    <p:fade/>
+  </p:transition>
+</p:sld>
+</file>
+
+<file path=ppt/slides/slide28.xml><?xml version="1.0" encoding="utf-8"?>
+<p:sld xmlns:a="http://schemas.openxmlformats.org/drawingml/2006/main" xmlns:r="http://schemas.openxmlformats.org/officeDocument/2006/relationships" xmlns:p="http://schemas.openxmlformats.org/presentationml/2006/main">
+  <p:cSld>
+    <p:spTree>
+      <p:nvGrpSpPr>
+        <p:cNvPr id="1" name=""/>
+        <p:cNvGrpSpPr/>
+        <p:nvPr/>
+      </p:nvGrpSpPr>
+      <p:grpSpPr>
+        <a:xfrm>
+          <a:off x="0" y="0"/>
+          <a:ext cx="0" cy="0"/>
+          <a:chOff x="0" y="0"/>
+          <a:chExt cx="0" cy="0"/>
+        </a:xfrm>
+      </p:grpSpPr>
+      <p:sp>
+        <p:nvSpPr>
+          <p:cNvPr id="2" name="Text Placeholder 1"/>
+          <p:cNvSpPr>
+            <a:spLocks noGrp="1"/>
+          </p:cNvSpPr>
+          <p:nvPr>
+            <p:ph type="body" sz="quarter" idx="10"/>
+          </p:nvPr>
+        </p:nvSpPr>
+        <p:spPr>
+          <a:xfrm>
+            <a:off x="274638" y="1212850"/>
+            <a:ext cx="11887200" cy="2523768"/>
+          </a:xfrm>
+        </p:spPr>
+        <p:txBody>
+          <a:bodyPr/>
+          <a:lstStyle/>
+          <a:p>
+            <a:r>
+              <a:rPr lang="en-US" dirty="0"/>
+              <a:t>The goal is not to demonstrate your technical prowess. The goal is to help the charity!</a:t>
+            </a:r>
+          </a:p>
+          <a:p>
+            <a:r>
+              <a:rPr lang="en-US" dirty="0"/>
+              <a:t>The charity will need to maintain this site going forward. </a:t>
+            </a:r>
+          </a:p>
+        </p:txBody>
+      </p:sp>
+      <p:sp>
+        <p:nvSpPr>
+          <p:cNvPr id="3" name="Title 2"/>
+          <p:cNvSpPr>
+            <a:spLocks noGrp="1"/>
+          </p:cNvSpPr>
+          <p:nvPr>
+            <p:ph type="title"/>
+          </p:nvPr>
+        </p:nvSpPr>
+        <p:spPr/>
+        <p:txBody>
+          <a:bodyPr/>
+          <a:lstStyle/>
+          <a:p>
+            <a:r>
+              <a:rPr lang="en-US" dirty="0"/>
+              <a:t>Keep the charity in mind!</a:t>
+            </a:r>
+          </a:p>
+        </p:txBody>
+      </p:sp>
+    </p:spTree>
+    <p:extLst>
+      <p:ext uri="{BB962C8B-B14F-4D97-AF65-F5344CB8AC3E}">
+        <p14:creationId xmlns:p14="http://schemas.microsoft.com/office/powerpoint/2010/main" val="462065710"/>
+      </p:ext>
+    </p:extLst>
+  </p:cSld>
+  <p:clrMapOvr>
+    <a:masterClrMapping/>
+  </p:clrMapOvr>
+  <p:transition>
+    <p:fade/>
+  </p:transition>
+</p:sld>
+</file>
+
+<file path=ppt/slides/slide29.xml><?xml version="1.0" encoding="utf-8"?>
+<p:sld xmlns:a="http://schemas.openxmlformats.org/drawingml/2006/main" xmlns:r="http://schemas.openxmlformats.org/officeDocument/2006/relationships" xmlns:p="http://schemas.openxmlformats.org/presentationml/2006/main">
+  <p:cSld>
+    <p:spTree>
+      <p:nvGrpSpPr>
+        <p:cNvPr id="1" name=""/>
+        <p:cNvGrpSpPr/>
+        <p:nvPr/>
+      </p:nvGrpSpPr>
+      <p:grpSpPr>
+        <a:xfrm>
+          <a:off x="0" y="0"/>
+          <a:ext cx="0" cy="0"/>
+          <a:chOff x="0" y="0"/>
+          <a:chExt cx="0" cy="0"/>
+        </a:xfrm>
+      </p:grpSpPr>
+      <p:sp>
+        <p:nvSpPr>
+          <p:cNvPr id="2" name="Text Placeholder 1"/>
+          <p:cNvSpPr>
+            <a:spLocks noGrp="1"/>
+          </p:cNvSpPr>
+          <p:nvPr>
+            <p:ph type="body" sz="quarter" idx="10"/>
+          </p:nvPr>
+        </p:nvSpPr>
+        <p:spPr>
+          <a:xfrm>
+            <a:off x="274638" y="1212850"/>
+            <a:ext cx="11887200" cy="2634567"/>
+          </a:xfrm>
+        </p:spPr>
+        <p:txBody>
+          <a:bodyPr/>
+          <a:lstStyle/>
+          <a:p>
+            <a:r>
+              <a:rPr lang="en-US" dirty="0"/>
+              <a:t>Document common scenarios</a:t>
+            </a:r>
+          </a:p>
+          <a:p>
+            <a:pPr lvl="1"/>
+            <a:r>
+              <a:rPr lang="en-US" dirty="0"/>
+              <a:t>How to add an event</a:t>
+            </a:r>
+          </a:p>
+          <a:p>
+            <a:pPr lvl="1"/>
+            <a:r>
+              <a:rPr lang="en-US" dirty="0"/>
+              <a:t>How to update a bio</a:t>
+            </a:r>
+          </a:p>
+          <a:p>
+            <a:pPr lvl="1"/>
+            <a:r>
+              <a:rPr lang="en-US" dirty="0"/>
+              <a:t>Etc.</a:t>
+            </a:r>
+          </a:p>
+          <a:p>
+            <a:pPr marL="0" indent="0">
+              <a:buNone/>
+            </a:pPr>
+            <a:endParaRPr lang="en-US" dirty="0"/>
+          </a:p>
+        </p:txBody>
+      </p:sp>
+      <p:sp>
+        <p:nvSpPr>
+          <p:cNvPr id="3" name="Title 2"/>
+          <p:cNvSpPr>
+            <a:spLocks noGrp="1"/>
+          </p:cNvSpPr>
+          <p:nvPr>
+            <p:ph type="title"/>
+          </p:nvPr>
+        </p:nvSpPr>
+        <p:spPr/>
+        <p:txBody>
+          <a:bodyPr/>
+          <a:lstStyle/>
+          <a:p>
+            <a:r>
+              <a:rPr lang="en-US" dirty="0"/>
+              <a:t>Share with your charity!</a:t>
+            </a:r>
+          </a:p>
+        </p:txBody>
+      </p:sp>
+    </p:spTree>
+    <p:extLst>
+      <p:ext uri="{BB962C8B-B14F-4D97-AF65-F5344CB8AC3E}">
+        <p14:creationId xmlns:p14="http://schemas.microsoft.com/office/powerpoint/2010/main" val="3494409750"/>
       </p:ext>
     </p:extLst>
   </p:cSld>
@@ -6992,7 +9319,7 @@
 </p:sld>
 </file>
 
-<file path=ppt/slides/slide4.xml><?xml version="1.0" encoding="utf-8"?>
+<file path=ppt/slides/slide30.xml><?xml version="1.0" encoding="utf-8"?>
 <p:sld xmlns:a="http://schemas.openxmlformats.org/drawingml/2006/main" xmlns:r="http://schemas.openxmlformats.org/officeDocument/2006/relationships" xmlns:p="http://schemas.openxmlformats.org/presentationml/2006/main">
   <p:cSld>
     <p:spTree>
@@ -7022,7 +9349,7 @@
         <p:spPr>
           <a:xfrm>
             <a:off x="274638" y="1212850"/>
-            <a:ext cx="11887200" cy="3447098"/>
+            <a:ext cx="11887200" cy="2769989"/>
           </a:xfrm>
         </p:spPr>
         <p:txBody>
@@ -7031,36 +9358,25 @@
           <a:p>
             <a:r>
               <a:rPr lang="en-US" dirty="0"/>
-              <a:t>Setup Dev Environment</a:t>
-            </a:r>
-          </a:p>
-          <a:p>
-            <a:r>
-              <a:rPr lang="en-US" dirty="0"/>
-              <a:t>Theme/Plugin Basics</a:t>
-            </a:r>
-          </a:p>
-          <a:p>
-            <a:r>
-              <a:rPr lang="en-US" dirty="0"/>
-              <a:t>Tour of </a:t>
-            </a:r>
-            <a:r>
-              <a:rPr lang="en-US" dirty="0" err="1"/>
-              <a:t>Divi</a:t>
-            </a:r>
-            <a:endParaRPr lang="en-US" dirty="0"/>
-          </a:p>
-          <a:p>
-            <a:r>
-              <a:rPr lang="en-US" dirty="0"/>
-              <a:t>Tips</a:t>
-            </a:r>
-          </a:p>
-          <a:p>
-            <a:r>
-              <a:rPr lang="en-US" dirty="0"/>
-              <a:t>Q&amp;A</a:t>
+              <a:t>Search the web</a:t>
+            </a:r>
+          </a:p>
+          <a:p>
+            <a:r>
+              <a:rPr lang="en-US" dirty="0"/>
+              <a:t>Search the Tech Ninja/Tech Jedi Slack Channel</a:t>
+            </a:r>
+          </a:p>
+          <a:p>
+            <a:r>
+              <a:rPr lang="en-US" dirty="0"/>
+              <a:t>Ask your team</a:t>
+            </a:r>
+          </a:p>
+          <a:p>
+            <a:r>
+              <a:rPr lang="en-US" dirty="0"/>
+              <a:t>Ask a Tech Ninja/Tech Jedi</a:t>
             </a:r>
           </a:p>
         </p:txBody>
@@ -7082,7 +9398,7 @@
           <a:p>
             <a:r>
               <a:rPr lang="en-US" dirty="0"/>
-              <a:t>Agenda</a:t>
+              <a:t>Get Help when you get stuck!</a:t>
             </a:r>
           </a:p>
         </p:txBody>
@@ -7090,7 +9406,7 @@
     </p:spTree>
     <p:extLst>
       <p:ext uri="{BB962C8B-B14F-4D97-AF65-F5344CB8AC3E}">
-        <p14:creationId xmlns:p14="http://schemas.microsoft.com/office/powerpoint/2010/main" val="3565783278"/>
+        <p14:creationId xmlns:p14="http://schemas.microsoft.com/office/powerpoint/2010/main" val="1520463920"/>
       </p:ext>
     </p:extLst>
   </p:cSld>
@@ -7103,7 +9419,7 @@
 </p:sld>
 </file>
 
-<file path=ppt/slides/slide5.xml><?xml version="1.0" encoding="utf-8"?>
+<file path=ppt/slides/slide31.xml><?xml version="1.0" encoding="utf-8"?>
 <p:sld xmlns:a="http://schemas.openxmlformats.org/drawingml/2006/main" xmlns:r="http://schemas.openxmlformats.org/officeDocument/2006/relationships" xmlns:p="http://schemas.openxmlformats.org/presentationml/2006/main">
   <p:cSld>
     <p:spTree>
@@ -7337,7 +9653,7 @@
 </p:sld>
 </file>
 
-<file path=ppt/slides/slide6.xml><?xml version="1.0" encoding="utf-8"?>
+<file path=ppt/slides/slide32.xml><?xml version="1.0" encoding="utf-8"?>
 <p:sld xmlns:a="http://schemas.openxmlformats.org/drawingml/2006/main" xmlns:r="http://schemas.openxmlformats.org/officeDocument/2006/relationships" xmlns:p="http://schemas.openxmlformats.org/presentationml/2006/main">
   <p:cSld>
     <p:spTree>
@@ -7467,7 +9783,7 @@
 </p:sld>
 </file>
 
-<file path=ppt/slides/slide7.xml><?xml version="1.0" encoding="utf-8"?>
+<file path=ppt/slides/slide33.xml><?xml version="1.0" encoding="utf-8"?>
 <p:sld xmlns:a="http://schemas.openxmlformats.org/drawingml/2006/main" xmlns:r="http://schemas.openxmlformats.org/officeDocument/2006/relationships" xmlns:p="http://schemas.openxmlformats.org/presentationml/2006/main">
   <p:cSld>
     <p:spTree>
@@ -7603,6 +9919,506 @@
       </p:transition>
     </mc:Fallback>
   </mc:AlternateContent>
+</p:sld>
+</file>
+
+<file path=ppt/slides/slide4.xml><?xml version="1.0" encoding="utf-8"?>
+<p:sld xmlns:a="http://schemas.openxmlformats.org/drawingml/2006/main" xmlns:r="http://schemas.openxmlformats.org/officeDocument/2006/relationships" xmlns:p="http://schemas.openxmlformats.org/presentationml/2006/main">
+  <p:cSld>
+    <p:spTree>
+      <p:nvGrpSpPr>
+        <p:cNvPr id="1" name=""/>
+        <p:cNvGrpSpPr/>
+        <p:nvPr/>
+      </p:nvGrpSpPr>
+      <p:grpSpPr>
+        <a:xfrm>
+          <a:off x="0" y="0"/>
+          <a:ext cx="0" cy="0"/>
+          <a:chOff x="0" y="0"/>
+          <a:chExt cx="0" cy="0"/>
+        </a:xfrm>
+      </p:grpSpPr>
+      <p:sp>
+        <p:nvSpPr>
+          <p:cNvPr id="2" name="Text Placeholder 1"/>
+          <p:cNvSpPr>
+            <a:spLocks noGrp="1"/>
+          </p:cNvSpPr>
+          <p:nvPr>
+            <p:ph type="body" sz="quarter" idx="10"/>
+          </p:nvPr>
+        </p:nvSpPr>
+        <p:spPr>
+          <a:xfrm>
+            <a:off x="274638" y="1212850"/>
+            <a:ext cx="11887200" cy="2769989"/>
+          </a:xfrm>
+        </p:spPr>
+        <p:txBody>
+          <a:bodyPr/>
+          <a:lstStyle/>
+          <a:p>
+            <a:r>
+              <a:rPr lang="en-US" dirty="0"/>
+              <a:t>WordPress Basics</a:t>
+            </a:r>
+          </a:p>
+          <a:p>
+            <a:r>
+              <a:rPr lang="en-US" dirty="0"/>
+              <a:t>Tour of </a:t>
+            </a:r>
+            <a:r>
+              <a:rPr lang="en-US" dirty="0" err="1"/>
+              <a:t>Divi</a:t>
+            </a:r>
+            <a:endParaRPr lang="en-US" dirty="0"/>
+          </a:p>
+          <a:p>
+            <a:r>
+              <a:rPr lang="en-US" dirty="0"/>
+              <a:t>Shawn’s Tips</a:t>
+            </a:r>
+          </a:p>
+          <a:p>
+            <a:r>
+              <a:rPr lang="en-US" dirty="0"/>
+              <a:t>Q&amp;A</a:t>
+            </a:r>
+          </a:p>
+        </p:txBody>
+      </p:sp>
+      <p:sp>
+        <p:nvSpPr>
+          <p:cNvPr id="3" name="Title 2"/>
+          <p:cNvSpPr>
+            <a:spLocks noGrp="1"/>
+          </p:cNvSpPr>
+          <p:nvPr>
+            <p:ph type="title"/>
+          </p:nvPr>
+        </p:nvSpPr>
+        <p:spPr/>
+        <p:txBody>
+          <a:bodyPr/>
+          <a:lstStyle/>
+          <a:p>
+            <a:r>
+              <a:rPr lang="en-US" dirty="0"/>
+              <a:t>Agenda</a:t>
+            </a:r>
+          </a:p>
+        </p:txBody>
+      </p:sp>
+    </p:spTree>
+    <p:extLst>
+      <p:ext uri="{BB962C8B-B14F-4D97-AF65-F5344CB8AC3E}">
+        <p14:creationId xmlns:p14="http://schemas.microsoft.com/office/powerpoint/2010/main" val="3565783278"/>
+      </p:ext>
+    </p:extLst>
+  </p:cSld>
+  <p:clrMapOvr>
+    <a:masterClrMapping/>
+  </p:clrMapOvr>
+  <p:transition>
+    <p:fade/>
+  </p:transition>
+</p:sld>
+</file>
+
+<file path=ppt/slides/slide5.xml><?xml version="1.0" encoding="utf-8"?>
+<p:sld xmlns:a="http://schemas.openxmlformats.org/drawingml/2006/main" xmlns:r="http://schemas.openxmlformats.org/officeDocument/2006/relationships" xmlns:p="http://schemas.openxmlformats.org/presentationml/2006/main" showMasterSp="0">
+  <p:cSld>
+    <p:bg>
+      <p:bgPr>
+        <a:blipFill dpi="0" rotWithShape="1">
+          <a:blip r:embed="rId2">
+            <a:lum/>
+          </a:blip>
+          <a:srcRect/>
+          <a:stretch>
+            <a:fillRect t="-19000" b="-19000"/>
+          </a:stretch>
+        </a:blipFill>
+        <a:effectLst/>
+      </p:bgPr>
+    </p:bg>
+    <p:spTree>
+      <p:nvGrpSpPr>
+        <p:cNvPr id="1" name=""/>
+        <p:cNvGrpSpPr/>
+        <p:nvPr/>
+      </p:nvGrpSpPr>
+      <p:grpSpPr>
+        <a:xfrm>
+          <a:off x="0" y="0"/>
+          <a:ext cx="0" cy="0"/>
+          <a:chOff x="0" y="0"/>
+          <a:chExt cx="0" cy="0"/>
+        </a:xfrm>
+      </p:grpSpPr>
+    </p:spTree>
+    <p:extLst>
+      <p:ext uri="{BB962C8B-B14F-4D97-AF65-F5344CB8AC3E}">
+        <p14:creationId xmlns:p14="http://schemas.microsoft.com/office/powerpoint/2010/main" val="1769366932"/>
+      </p:ext>
+    </p:extLst>
+  </p:cSld>
+  <p:clrMapOvr>
+    <a:masterClrMapping/>
+  </p:clrMapOvr>
+  <p:transition>
+    <p:fade/>
+  </p:transition>
+</p:sld>
+</file>
+
+<file path=ppt/slides/slide6.xml><?xml version="1.0" encoding="utf-8"?>
+<p:sld xmlns:a="http://schemas.openxmlformats.org/drawingml/2006/main" xmlns:r="http://schemas.openxmlformats.org/officeDocument/2006/relationships" xmlns:p="http://schemas.openxmlformats.org/presentationml/2006/main">
+  <p:cSld>
+    <p:spTree>
+      <p:nvGrpSpPr>
+        <p:cNvPr id="1" name=""/>
+        <p:cNvGrpSpPr/>
+        <p:nvPr/>
+      </p:nvGrpSpPr>
+      <p:grpSpPr>
+        <a:xfrm>
+          <a:off x="0" y="0"/>
+          <a:ext cx="0" cy="0"/>
+          <a:chOff x="0" y="0"/>
+          <a:chExt cx="0" cy="0"/>
+        </a:xfrm>
+      </p:grpSpPr>
+      <p:sp>
+        <p:nvSpPr>
+          <p:cNvPr id="4" name="Title 3"/>
+          <p:cNvSpPr>
+            <a:spLocks noGrp="1"/>
+          </p:cNvSpPr>
+          <p:nvPr>
+            <p:ph type="title"/>
+          </p:nvPr>
+        </p:nvSpPr>
+        <p:spPr/>
+        <p:txBody>
+          <a:bodyPr/>
+          <a:lstStyle/>
+          <a:p>
+            <a:r>
+              <a:rPr lang="en-US" dirty="0"/>
+              <a:t>WordPress Basics</a:t>
+            </a:r>
+            <a:br>
+              <a:rPr lang="en-US" dirty="0"/>
+            </a:br>
+            <a:endParaRPr lang="en-US" dirty="0"/>
+          </a:p>
+        </p:txBody>
+      </p:sp>
+      <p:pic>
+        <p:nvPicPr>
+          <p:cNvPr id="2" name="Picture Placeholder 1"/>
+          <p:cNvPicPr>
+            <a:picLocks noGrp="1" noChangeAspect="1"/>
+          </p:cNvPicPr>
+          <p:nvPr>
+            <p:ph type="pic" sz="quarter" idx="10"/>
+          </p:nvPr>
+        </p:nvPicPr>
+        <p:blipFill>
+          <a:blip r:embed="rId2"/>
+          <a:srcRect l="16663" r="16663"/>
+          <a:stretch>
+            <a:fillRect/>
+          </a:stretch>
+        </p:blipFill>
+        <p:spPr/>
+      </p:pic>
+    </p:spTree>
+    <p:extLst>
+      <p:ext uri="{BB962C8B-B14F-4D97-AF65-F5344CB8AC3E}">
+        <p14:creationId xmlns:p14="http://schemas.microsoft.com/office/powerpoint/2010/main" val="701282778"/>
+      </p:ext>
+    </p:extLst>
+  </p:cSld>
+  <p:clrMapOvr>
+    <a:masterClrMapping/>
+  </p:clrMapOvr>
+  <p:transition>
+    <p:fade/>
+  </p:transition>
+</p:sld>
+</file>
+
+<file path=ppt/slides/slide7.xml><?xml version="1.0" encoding="utf-8"?>
+<p:sld xmlns:a="http://schemas.openxmlformats.org/drawingml/2006/main" xmlns:r="http://schemas.openxmlformats.org/officeDocument/2006/relationships" xmlns:p="http://schemas.openxmlformats.org/presentationml/2006/main">
+  <p:cSld>
+    <p:spTree>
+      <p:nvGrpSpPr>
+        <p:cNvPr id="1" name=""/>
+        <p:cNvGrpSpPr/>
+        <p:nvPr/>
+      </p:nvGrpSpPr>
+      <p:grpSpPr>
+        <a:xfrm>
+          <a:off x="0" y="0"/>
+          <a:ext cx="0" cy="0"/>
+          <a:chOff x="0" y="0"/>
+          <a:chExt cx="0" cy="0"/>
+        </a:xfrm>
+      </p:grpSpPr>
+      <p:sp>
+        <p:nvSpPr>
+          <p:cNvPr id="5" name="Text Placeholder 4"/>
+          <p:cNvSpPr>
+            <a:spLocks noGrp="1"/>
+          </p:cNvSpPr>
+          <p:nvPr>
+            <p:ph type="body" sz="quarter" idx="10"/>
+          </p:nvPr>
+        </p:nvSpPr>
+        <p:spPr>
+          <a:xfrm>
+            <a:off x="274638" y="1212850"/>
+            <a:ext cx="11887200" cy="2646878"/>
+          </a:xfrm>
+        </p:spPr>
+        <p:txBody>
+          <a:bodyPr/>
+          <a:lstStyle/>
+          <a:p>
+            <a:r>
+              <a:rPr lang="en-US" dirty="0"/>
+              <a:t>A Content Management System (CMS) &amp; Blogging platform. </a:t>
+            </a:r>
+          </a:p>
+          <a:p>
+            <a:r>
+              <a:rPr lang="en-US" dirty="0"/>
+              <a:t>One of the most popular platforms on the web.</a:t>
+            </a:r>
+          </a:p>
+          <a:p>
+            <a:endParaRPr lang="en-US" dirty="0"/>
+          </a:p>
+        </p:txBody>
+      </p:sp>
+      <p:sp>
+        <p:nvSpPr>
+          <p:cNvPr id="4" name="Title 3"/>
+          <p:cNvSpPr>
+            <a:spLocks noGrp="1"/>
+          </p:cNvSpPr>
+          <p:nvPr>
+            <p:ph type="title"/>
+          </p:nvPr>
+        </p:nvSpPr>
+        <p:spPr/>
+        <p:txBody>
+          <a:bodyPr/>
+          <a:lstStyle/>
+          <a:p>
+            <a:r>
+              <a:rPr lang="en-US" dirty="0"/>
+              <a:t>WordPress</a:t>
+            </a:r>
+          </a:p>
+        </p:txBody>
+      </p:sp>
+    </p:spTree>
+    <p:extLst>
+      <p:ext uri="{BB962C8B-B14F-4D97-AF65-F5344CB8AC3E}">
+        <p14:creationId xmlns:p14="http://schemas.microsoft.com/office/powerpoint/2010/main" val="1864919611"/>
+      </p:ext>
+    </p:extLst>
+  </p:cSld>
+  <p:clrMapOvr>
+    <a:masterClrMapping/>
+  </p:clrMapOvr>
+  <p:transition>
+    <p:fade/>
+  </p:transition>
+</p:sld>
+</file>
+
+<file path=ppt/slides/slide8.xml><?xml version="1.0" encoding="utf-8"?>
+<p:sld xmlns:a="http://schemas.openxmlformats.org/drawingml/2006/main" xmlns:r="http://schemas.openxmlformats.org/officeDocument/2006/relationships" xmlns:p="http://schemas.openxmlformats.org/presentationml/2006/main">
+  <p:cSld>
+    <p:spTree>
+      <p:nvGrpSpPr>
+        <p:cNvPr id="1" name=""/>
+        <p:cNvGrpSpPr/>
+        <p:nvPr/>
+      </p:nvGrpSpPr>
+      <p:grpSpPr>
+        <a:xfrm>
+          <a:off x="0" y="0"/>
+          <a:ext cx="0" cy="0"/>
+          <a:chOff x="0" y="0"/>
+          <a:chExt cx="0" cy="0"/>
+        </a:xfrm>
+      </p:grpSpPr>
+      <p:sp>
+        <p:nvSpPr>
+          <p:cNvPr id="5" name="Text Placeholder 4"/>
+          <p:cNvSpPr>
+            <a:spLocks noGrp="1"/>
+          </p:cNvSpPr>
+          <p:nvPr>
+            <p:ph type="body" sz="quarter" idx="10"/>
+          </p:nvPr>
+        </p:nvSpPr>
+        <p:spPr>
+          <a:xfrm>
+            <a:off x="274638" y="1212850"/>
+            <a:ext cx="11887200" cy="1348061"/>
+          </a:xfrm>
+        </p:spPr>
+        <p:txBody>
+          <a:bodyPr/>
+          <a:lstStyle/>
+          <a:p>
+            <a:r>
+              <a:rPr lang="en-US" dirty="0"/>
+              <a:t>Provide the look &amp; feel and much of the </a:t>
+            </a:r>
+            <a:r>
+              <a:rPr lang="en-US" sz="4400" b="1" dirty="0"/>
+              <a:t>functionality</a:t>
+            </a:r>
+            <a:r>
+              <a:rPr lang="en-US" dirty="0"/>
+              <a:t> of your WordPress instance. </a:t>
+            </a:r>
+          </a:p>
+        </p:txBody>
+      </p:sp>
+      <p:sp>
+        <p:nvSpPr>
+          <p:cNvPr id="4" name="Title 3"/>
+          <p:cNvSpPr>
+            <a:spLocks noGrp="1"/>
+          </p:cNvSpPr>
+          <p:nvPr>
+            <p:ph type="title"/>
+          </p:nvPr>
+        </p:nvSpPr>
+        <p:spPr/>
+        <p:txBody>
+          <a:bodyPr/>
+          <a:lstStyle/>
+          <a:p>
+            <a:r>
+              <a:rPr lang="en-US" dirty="0"/>
+              <a:t>Theme</a:t>
+            </a:r>
+          </a:p>
+        </p:txBody>
+      </p:sp>
+    </p:spTree>
+    <p:extLst>
+      <p:ext uri="{BB962C8B-B14F-4D97-AF65-F5344CB8AC3E}">
+        <p14:creationId xmlns:p14="http://schemas.microsoft.com/office/powerpoint/2010/main" val="1818562014"/>
+      </p:ext>
+    </p:extLst>
+  </p:cSld>
+  <p:clrMapOvr>
+    <a:masterClrMapping/>
+  </p:clrMapOvr>
+  <p:transition>
+    <p:fade/>
+  </p:transition>
+</p:sld>
+</file>
+
+<file path=ppt/slides/slide9.xml><?xml version="1.0" encoding="utf-8"?>
+<p:sld xmlns:a="http://schemas.openxmlformats.org/drawingml/2006/main" xmlns:r="http://schemas.openxmlformats.org/officeDocument/2006/relationships" xmlns:p="http://schemas.openxmlformats.org/presentationml/2006/main">
+  <p:cSld>
+    <p:spTree>
+      <p:nvGrpSpPr>
+        <p:cNvPr id="1" name=""/>
+        <p:cNvGrpSpPr/>
+        <p:nvPr/>
+      </p:nvGrpSpPr>
+      <p:grpSpPr>
+        <a:xfrm>
+          <a:off x="0" y="0"/>
+          <a:ext cx="0" cy="0"/>
+          <a:chOff x="0" y="0"/>
+          <a:chExt cx="0" cy="0"/>
+        </a:xfrm>
+      </p:grpSpPr>
+      <p:sp>
+        <p:nvSpPr>
+          <p:cNvPr id="5" name="Text Placeholder 4"/>
+          <p:cNvSpPr>
+            <a:spLocks noGrp="1"/>
+          </p:cNvSpPr>
+          <p:nvPr>
+            <p:ph type="body" sz="quarter" idx="10"/>
+          </p:nvPr>
+        </p:nvSpPr>
+        <p:spPr>
+          <a:xfrm>
+            <a:off x="274638" y="1212850"/>
+            <a:ext cx="11887200" cy="1698927"/>
+          </a:xfrm>
+        </p:spPr>
+        <p:txBody>
+          <a:bodyPr/>
+          <a:lstStyle/>
+          <a:p>
+            <a:r>
+              <a:rPr lang="en-US" dirty="0"/>
+              <a:t>Plugins extend and expand the functionality of WordPress.</a:t>
+            </a:r>
+          </a:p>
+          <a:p>
+            <a:pPr lvl="1"/>
+            <a:r>
+              <a:rPr lang="en-US" dirty="0"/>
+              <a:t>Just under 50,000 to pick from. . . </a:t>
+            </a:r>
+          </a:p>
+        </p:txBody>
+      </p:sp>
+      <p:sp>
+        <p:nvSpPr>
+          <p:cNvPr id="4" name="Title 3"/>
+          <p:cNvSpPr>
+            <a:spLocks noGrp="1"/>
+          </p:cNvSpPr>
+          <p:nvPr>
+            <p:ph type="title"/>
+          </p:nvPr>
+        </p:nvSpPr>
+        <p:spPr/>
+        <p:txBody>
+          <a:bodyPr/>
+          <a:lstStyle/>
+          <a:p>
+            <a:r>
+              <a:rPr lang="en-US" dirty="0"/>
+              <a:t>Plugin</a:t>
+            </a:r>
+          </a:p>
+        </p:txBody>
+      </p:sp>
+    </p:spTree>
+    <p:extLst>
+      <p:ext uri="{BB962C8B-B14F-4D97-AF65-F5344CB8AC3E}">
+        <p14:creationId xmlns:p14="http://schemas.microsoft.com/office/powerpoint/2010/main" val="2446149417"/>
+      </p:ext>
+    </p:extLst>
+  </p:cSld>
+  <p:clrMapOvr>
+    <a:masterClrMapping/>
+  </p:clrMapOvr>
+  <p:transition>
+    <p:fade/>
+  </p:transition>
 </p:sld>
 </file>
 
@@ -8467,6 +11283,15 @@
 </file>
 
 <file path=customXml/item1.xml><?xml version="1.0" encoding="utf-8"?>
+<?mso-contentType ?>
+<FormTemplates xmlns="http://schemas.microsoft.com/sharepoint/v3/contenttype/forms">
+  <Display>DocumentLibraryForm</Display>
+  <Edit>DocumentLibraryForm</Edit>
+  <New>DocumentLibraryForm</New>
+</FormTemplates>
+</file>
+
+<file path=customXml/item2.xml><?xml version="1.0" encoding="utf-8"?>
 <ct:contentTypeSchema xmlns:ct="http://schemas.microsoft.com/office/2006/metadata/contentType" xmlns:ma="http://schemas.microsoft.com/office/2006/metadata/properties/metaAttributes" ct:_="" ma:_="" ma:contentTypeName="PresentationsDoc" ma:contentTypeID="0x01010046EBBE4F454C2C47A5E89CD935B1FC7800E83BCD34BAE21044A0567CF64FDFDE54" ma:contentTypeVersion="8" ma:contentTypeDescription="Create a new document." ma:contentTypeScope="" ma:versionID="943be92678b93f1250d47552b750dfa9">
   <xsd:schema xmlns:xsd="http://www.w3.org/2001/XMLSchema" xmlns:xs="http://www.w3.org/2001/XMLSchema" xmlns:p="http://schemas.microsoft.com/office/2006/metadata/properties" xmlns:ns1="http://schemas.microsoft.com/sharepoint/v3" xmlns:ns2="12a172fe-0250-434a-85cf-03b10810c5e5" xmlns:ns3="230e9df3-be65-4c73-a93b-d1236ebd677e" targetNamespace="http://schemas.microsoft.com/office/2006/metadata/properties" ma:root="true" ma:fieldsID="64ca87391a03306b6b97ef1cc1392d96" ns1:_="" ns2:_="" ns3:_="">
     <xsd:import namespace="http://schemas.microsoft.com/sharepoint/v3"/>
@@ -8822,15 +11647,6 @@
 </ct:contentTypeSchema>
 </file>
 
-<file path=customXml/item2.xml><?xml version="1.0" encoding="utf-8"?>
-<?mso-contentType ?>
-<FormTemplates xmlns="http://schemas.microsoft.com/sharepoint/v3/contenttype/forms">
-  <Display>DocumentLibraryForm</Display>
-  <Edit>DocumentLibraryForm</Edit>
-  <New>DocumentLibraryForm</New>
-</FormTemplates>
-</file>
-
 <file path=customXml/item3.xml><?xml version="1.0" encoding="utf-8"?>
 <p:properties xmlns:p="http://schemas.microsoft.com/office/2006/metadata/properties" xmlns:xsi="http://www.w3.org/2001/XMLSchema-instance" xmlns:pc="http://schemas.microsoft.com/office/infopath/2007/PartnerControls">
   <documentManagement>
@@ -8919,6 +11735,14 @@
 </file>
 
 <file path=customXml/itemProps1.xml><?xml version="1.0" encoding="utf-8"?>
+<ds:datastoreItem xmlns:ds="http://schemas.openxmlformats.org/officeDocument/2006/customXml" ds:itemID="{758FDAC0-319D-4A54-8D8E-1D42CB1F8004}">
+  <ds:schemaRefs>
+    <ds:schemaRef ds:uri="http://schemas.microsoft.com/sharepoint/v3/contenttype/forms"/>
+  </ds:schemaRefs>
+</ds:datastoreItem>
+</file>
+
+<file path=customXml/itemProps2.xml><?xml version="1.0" encoding="utf-8"?>
 <ds:datastoreItem xmlns:ds="http://schemas.openxmlformats.org/officeDocument/2006/customXml" ds:itemID="{5EC5AA3F-E919-43C0-B577-19D8FA24B9C2}">
   <ds:schemaRefs>
     <ds:schemaRef ds:uri="http://schemas.microsoft.com/office/2006/metadata/contentType"/>
@@ -8938,26 +11762,18 @@
 </ds:datastoreItem>
 </file>
 
-<file path=customXml/itemProps2.xml><?xml version="1.0" encoding="utf-8"?>
-<ds:datastoreItem xmlns:ds="http://schemas.openxmlformats.org/officeDocument/2006/customXml" ds:itemID="{758FDAC0-319D-4A54-8D8E-1D42CB1F8004}">
-  <ds:schemaRefs>
-    <ds:schemaRef ds:uri="http://schemas.microsoft.com/sharepoint/v3/contenttype/forms"/>
-  </ds:schemaRefs>
-</ds:datastoreItem>
-</file>
-
 <file path=customXml/itemProps3.xml><?xml version="1.0" encoding="utf-8"?>
 <ds:datastoreItem xmlns:ds="http://schemas.openxmlformats.org/officeDocument/2006/customXml" ds:itemID="{F990F116-B58F-4255-B05B-DA3808E0E5C6}">
   <ds:schemaRefs>
+    <ds:schemaRef ds:uri="http://schemas.openxmlformats.org/package/2006/metadata/core-properties"/>
+    <ds:schemaRef ds:uri="http://schemas.microsoft.com/office/infopath/2007/PartnerControls"/>
+    <ds:schemaRef ds:uri="http://purl.org/dc/terms/"/>
+    <ds:schemaRef ds:uri="http://schemas.microsoft.com/office/2006/metadata/properties"/>
+    <ds:schemaRef ds:uri="http://schemas.microsoft.com/office/2006/documentManagement/types"/>
     <ds:schemaRef ds:uri="12a172fe-0250-434a-85cf-03b10810c5e5"/>
+    <ds:schemaRef ds:uri="http://purl.org/dc/elements/1.1/"/>
+    <ds:schemaRef ds:uri="230e9df3-be65-4c73-a93b-d1236ebd677e"/>
     <ds:schemaRef ds:uri="http://schemas.microsoft.com/sharepoint/v3"/>
-    <ds:schemaRef ds:uri="230e9df3-be65-4c73-a93b-d1236ebd677e"/>
-    <ds:schemaRef ds:uri="http://purl.org/dc/terms/"/>
-    <ds:schemaRef ds:uri="http://schemas.openxmlformats.org/package/2006/metadata/core-properties"/>
-    <ds:schemaRef ds:uri="http://schemas.microsoft.com/office/2006/documentManagement/types"/>
-    <ds:schemaRef ds:uri="http://schemas.microsoft.com/office/infopath/2007/PartnerControls"/>
-    <ds:schemaRef ds:uri="http://purl.org/dc/elements/1.1/"/>
-    <ds:schemaRef ds:uri="http://schemas.microsoft.com/office/2006/metadata/properties"/>
     <ds:schemaRef ds:uri="http://www.w3.org/XML/1998/namespace"/>
     <ds:schemaRef ds:uri="http://purl.org/dc/dcmitype/"/>
   </ds:schemaRefs>
